--- a/ppt/MOD_3_non_technical.pptx
+++ b/ppt/MOD_3_non_technical.pptx
@@ -5,13 +5,19 @@
     <p:sldMasterId id="2147483678" r:id="rId1"/>
   </p:sldMasterIdLst>
   <p:notesMasterIdLst>
-    <p:notesMasterId r:id="rId6"/>
+    <p:notesMasterId r:id="rId12"/>
   </p:notesMasterIdLst>
   <p:sldIdLst>
     <p:sldId id="256" r:id="rId2"/>
-    <p:sldId id="276" r:id="rId3"/>
-    <p:sldId id="266" r:id="rId4"/>
-    <p:sldId id="275" r:id="rId5"/>
+    <p:sldId id="278" r:id="rId3"/>
+    <p:sldId id="276" r:id="rId4"/>
+    <p:sldId id="279" r:id="rId5"/>
+    <p:sldId id="281" r:id="rId6"/>
+    <p:sldId id="280" r:id="rId7"/>
+    <p:sldId id="282" r:id="rId8"/>
+    <p:sldId id="283" r:id="rId9"/>
+    <p:sldId id="266" r:id="rId10"/>
+    <p:sldId id="275" r:id="rId11"/>
   </p:sldIdLst>
   <p:sldSz cx="12192000" cy="6858000"/>
   <p:notesSz cx="6858000" cy="9144000"/>
@@ -200,7 +206,7 @@
           <a:p>
             <a:fld id="{FCCCF778-D78A-41FC-9EAD-184EF14DE4A7}" type="datetimeFigureOut">
               <a:rPr lang="en-US" smtClean="0"/>
-              <a:t>5/24/2020</a:t>
+              <a:t>6/2/2020</a:t>
             </a:fld>
             <a:endParaRPr lang="en-US"/>
           </a:p>
@@ -614,7 +620,7 @@
           <a:p>
             <a:fld id="{FA61EB49-F9D8-4F06-9713-44C9D0D7E9B2}" type="datetime1">
               <a:rPr lang="en-US" smtClean="0"/>
-              <a:t>5/24/2020</a:t>
+              <a:t>6/2/2020</a:t>
             </a:fld>
             <a:endParaRPr lang="en-US" dirty="0"/>
           </a:p>
@@ -848,7 +854,7 @@
           <a:p>
             <a:fld id="{65592F4B-3223-408A-9621-6A06BC6F3B3A}" type="datetime1">
               <a:rPr lang="en-US" smtClean="0"/>
-              <a:t>5/24/2020</a:t>
+              <a:t>6/2/2020</a:t>
             </a:fld>
             <a:endParaRPr lang="en-US" dirty="0"/>
           </a:p>
@@ -1091,7 +1097,7 @@
           <a:p>
             <a:fld id="{ED2FB20A-18C4-49EE-B45E-2C8FD0713ECA}" type="datetime1">
               <a:rPr lang="en-US" smtClean="0"/>
-              <a:t>5/24/2020</a:t>
+              <a:t>6/2/2020</a:t>
             </a:fld>
             <a:endParaRPr lang="en-US" dirty="0"/>
           </a:p>
@@ -1324,7 +1330,7 @@
           <a:p>
             <a:fld id="{383EC78E-416F-4574-97B3-B2BCD4E7602A}" type="datetime1">
               <a:rPr lang="en-US" smtClean="0"/>
-              <a:t>5/24/2020</a:t>
+              <a:t>6/2/2020</a:t>
             </a:fld>
             <a:endParaRPr lang="en-US" dirty="0"/>
           </a:p>
@@ -1634,7 +1640,7 @@
           <a:p>
             <a:fld id="{D6A0A211-9326-4F89-93CD-3DB1851127FC}" type="datetime1">
               <a:rPr lang="en-US" smtClean="0"/>
-              <a:t>5/24/2020</a:t>
+              <a:t>6/2/2020</a:t>
             </a:fld>
             <a:endParaRPr lang="en-US" dirty="0"/>
           </a:p>
@@ -1935,7 +1941,7 @@
           <a:p>
             <a:fld id="{BBD4FD02-B695-49A1-9C01-444589ECB2EA}" type="datetime1">
               <a:rPr lang="en-US" smtClean="0"/>
-              <a:t>5/24/2020</a:t>
+              <a:t>6/2/2020</a:t>
             </a:fld>
             <a:endParaRPr lang="en-US" dirty="0"/>
           </a:p>
@@ -2382,7 +2388,7 @@
           <a:p>
             <a:fld id="{5B645BE0-E657-4918-B26D-85A717801469}" type="datetime1">
               <a:rPr lang="en-US" smtClean="0"/>
-              <a:t>5/24/2020</a:t>
+              <a:t>6/2/2020</a:t>
             </a:fld>
             <a:endParaRPr lang="en-US" dirty="0"/>
           </a:p>
@@ -2558,7 +2564,7 @@
           <a:p>
             <a:fld id="{6F38960D-E05D-46FF-92AA-2B005B0B492F}" type="datetime1">
               <a:rPr lang="en-US" smtClean="0"/>
-              <a:t>5/24/2020</a:t>
+              <a:t>6/2/2020</a:t>
             </a:fld>
             <a:endParaRPr lang="en-US" dirty="0"/>
           </a:p>
@@ -2706,7 +2712,7 @@
           <a:p>
             <a:fld id="{42EF68DD-2A49-4CA0-9936-746BABFFEA85}" type="datetime1">
               <a:rPr lang="en-US" smtClean="0"/>
-              <a:t>5/24/2020</a:t>
+              <a:t>6/2/2020</a:t>
             </a:fld>
             <a:endParaRPr lang="en-US" dirty="0"/>
           </a:p>
@@ -3052,7 +3058,7 @@
           <a:p>
             <a:fld id="{197CC4E9-97CD-4206-89EC-2F53E9905614}" type="datetime1">
               <a:rPr lang="en-US" smtClean="0"/>
-              <a:t>5/24/2020</a:t>
+              <a:t>6/2/2020</a:t>
             </a:fld>
             <a:endParaRPr lang="en-US" dirty="0"/>
           </a:p>
@@ -3376,7 +3382,7 @@
           <a:p>
             <a:fld id="{7FC0D186-ED78-4D2D-A97F-EA64BBDE653D}" type="datetime1">
               <a:rPr lang="en-US" smtClean="0"/>
-              <a:t>5/24/2020</a:t>
+              <a:t>6/2/2020</a:t>
             </a:fld>
             <a:endParaRPr lang="en-US" dirty="0"/>
           </a:p>
@@ -3653,7 +3659,7 @@
           <a:p>
             <a:fld id="{93F33BC0-FB7A-42C4-A48E-005CA5C711DC}" type="datetime1">
               <a:rPr lang="en-US" smtClean="0"/>
-              <a:t>5/24/2020</a:t>
+              <a:t>6/2/2020</a:t>
             </a:fld>
             <a:endParaRPr lang="en-US" dirty="0"/>
           </a:p>
@@ -4228,8 +4234,8 @@
         </p:nvSpPr>
         <p:spPr>
           <a:xfrm>
-            <a:off x="6590662" y="4267832"/>
-            <a:ext cx="4805996" cy="1297115"/>
+            <a:off x="6181725" y="4267832"/>
+            <a:ext cx="5924550" cy="1932943"/>
           </a:xfrm>
         </p:spPr>
         <p:txBody>
@@ -4240,7 +4246,7 @@
           <a:p>
             <a:pPr algn="l"/>
             <a:r>
-              <a:rPr lang="en-US" sz="4100">
+              <a:rPr lang="en-US" sz="4100" dirty="0" err="1">
                 <a:ln>
                   <a:solidFill>
                     <a:schemeClr val="tx1"/>
@@ -4258,7 +4264,28 @@
                   <a:reflection blurRad="6350" stA="55000" endA="300" endPos="45500" dir="5400000" sy="-100000" algn="bl" rotWithShape="0"/>
                 </a:effectLst>
               </a:rPr>
-              <a:t>Customer churn data</a:t>
+              <a:t>TelCo</a:t>
+            </a:r>
+            <a:r>
+              <a:rPr lang="en-US" sz="4100" dirty="0">
+                <a:ln>
+                  <a:solidFill>
+                    <a:schemeClr val="tx1"/>
+                  </a:solidFill>
+                </a:ln>
+                <a:solidFill>
+                  <a:srgbClr val="000000"/>
+                </a:solidFill>
+                <a:effectLst>
+                  <a:outerShdw blurRad="60007" dist="310007" dir="7680000" sy="30000" kx="1300200" algn="ctr" rotWithShape="0">
+                    <a:prstClr val="black">
+                      <a:alpha val="32000"/>
+                    </a:prstClr>
+                  </a:outerShdw>
+                  <a:reflection blurRad="6350" stA="55000" endA="300" endPos="45500" dir="5400000" sy="-100000" algn="bl" rotWithShape="0"/>
+                </a:effectLst>
+              </a:rPr>
+              <a:t> Customer churn </a:t>
             </a:r>
           </a:p>
         </p:txBody>
@@ -4281,7 +4308,7 @@
         </p:nvSpPr>
         <p:spPr>
           <a:xfrm>
-            <a:off x="6590966" y="3428999"/>
+            <a:off x="6333791" y="3351669"/>
             <a:ext cx="4805691" cy="838831"/>
           </a:xfrm>
         </p:spPr>
@@ -4319,31 +4346,8 @@
                   <a:srgbClr val="000000"/>
                 </a:solidFill>
               </a:rPr>
-              <a:t>Chamila C. </a:t>
-            </a:r>
-            <a:r>
-              <a:rPr lang="en-US" sz="1800" b="1">
-                <a:ln>
-                  <a:solidFill>
-                    <a:schemeClr val="tx1"/>
-                  </a:solidFill>
-                </a:ln>
-                <a:solidFill>
-                  <a:srgbClr val="000000"/>
-                </a:solidFill>
-              </a:rPr>
-              <a:t>Dharmawardhana</a:t>
-            </a:r>
-            <a:endParaRPr lang="en-US" sz="1800" b="1" dirty="0">
-              <a:ln>
-                <a:solidFill>
-                  <a:schemeClr val="tx1"/>
-                </a:solidFill>
-              </a:ln>
-              <a:solidFill>
-                <a:srgbClr val="000000"/>
-              </a:solidFill>
-            </a:endParaRPr>
+              <a:t>Chamila C. Dharmawardhana</a:t>
+            </a:r>
           </a:p>
         </p:txBody>
       </p:sp>
@@ -4651,7 +4655,7 @@
         </p:nvSpPr>
         <p:spPr>
           <a:xfrm>
-            <a:off x="-3047" y="230736"/>
+            <a:off x="4912069" y="765376"/>
             <a:ext cx="7903029" cy="606411"/>
           </a:xfrm>
           <a:prstGeom prst="rect">
@@ -4833,7 +4837,7 @@
               </a:lnSpc>
             </a:pPr>
             <a:r>
-              <a:rPr lang="en-US" sz="3600" b="1" dirty="0">
+              <a:rPr lang="en-US" sz="5400" b="1" dirty="0">
                 <a:ln>
                   <a:solidFill>
                     <a:schemeClr val="tx1"/>
@@ -4848,10 +4852,179 @@
           </a:p>
         </p:txBody>
       </p:sp>
+      <p:pic>
+        <p:nvPicPr>
+          <p:cNvPr id="7" name="Picture 6" descr="A picture containing drawing&#10;&#10;Description automatically generated">
+            <a:extLst>
+              <a:ext uri="{FF2B5EF4-FFF2-40B4-BE49-F238E27FC236}">
+                <a16:creationId xmlns:a16="http://schemas.microsoft.com/office/drawing/2014/main" id="{83851ECE-5B2A-4978-9FD9-C80B6C4352CC}"/>
+              </a:ext>
+            </a:extLst>
+          </p:cNvPr>
+          <p:cNvPicPr>
+            <a:picLocks noChangeAspect="1"/>
+          </p:cNvPicPr>
+          <p:nvPr/>
+        </p:nvPicPr>
+        <p:blipFill>
+          <a:blip r:embed="rId6">
+            <a:extLst>
+              <a:ext uri="{28A0092B-C50C-407E-A947-70E740481C1C}">
+                <a14:useLocalDpi xmlns:a14="http://schemas.microsoft.com/office/drawing/2010/main" val="0"/>
+              </a:ext>
+            </a:extLst>
+          </a:blip>
+          <a:stretch>
+            <a:fillRect/>
+          </a:stretch>
+        </p:blipFill>
+        <p:spPr>
+          <a:xfrm>
+            <a:off x="957574" y="1702099"/>
+            <a:ext cx="3022222" cy="4787301"/>
+          </a:xfrm>
+          <a:prstGeom prst="rect">
+            <a:avLst/>
+          </a:prstGeom>
+        </p:spPr>
+      </p:pic>
     </p:spTree>
     <p:extLst>
       <p:ext uri="{BB962C8B-B14F-4D97-AF65-F5344CB8AC3E}">
         <p14:creationId xmlns:p14="http://schemas.microsoft.com/office/powerpoint/2010/main" val="1603219874"/>
+      </p:ext>
+    </p:extLst>
+  </p:cSld>
+  <p:clrMapOvr>
+    <a:masterClrMapping/>
+  </p:clrMapOvr>
+</p:sld>
+</file>
+
+<file path=ppt/slides/slide10.xml><?xml version="1.0" encoding="utf-8"?>
+<p:sld xmlns:a="http://schemas.openxmlformats.org/drawingml/2006/main" xmlns:r="http://schemas.openxmlformats.org/officeDocument/2006/relationships" xmlns:p="http://schemas.openxmlformats.org/presentationml/2006/main">
+  <p:cSld>
+    <p:spTree>
+      <p:nvGrpSpPr>
+        <p:cNvPr id="1" name=""/>
+        <p:cNvGrpSpPr/>
+        <p:nvPr/>
+      </p:nvGrpSpPr>
+      <p:grpSpPr>
+        <a:xfrm>
+          <a:off x="0" y="0"/>
+          <a:ext cx="0" cy="0"/>
+          <a:chOff x="0" y="0"/>
+          <a:chExt cx="0" cy="0"/>
+        </a:xfrm>
+      </p:grpSpPr>
+      <p:sp>
+        <p:nvSpPr>
+          <p:cNvPr id="2" name="Title 1">
+            <a:extLst>
+              <a:ext uri="{FF2B5EF4-FFF2-40B4-BE49-F238E27FC236}">
+                <a16:creationId xmlns:a16="http://schemas.microsoft.com/office/drawing/2014/main" id="{3468C0B4-2604-45F2-BA23-4AA8F880453F}"/>
+              </a:ext>
+            </a:extLst>
+          </p:cNvPr>
+          <p:cNvSpPr>
+            <a:spLocks noGrp="1"/>
+          </p:cNvSpPr>
+          <p:nvPr>
+            <p:ph type="title"/>
+          </p:nvPr>
+        </p:nvSpPr>
+        <p:spPr>
+          <a:xfrm>
+            <a:off x="4155830" y="2942493"/>
+            <a:ext cx="4454770" cy="1714134"/>
+          </a:xfrm>
+        </p:spPr>
+        <p:txBody>
+          <a:bodyPr>
+            <a:noAutofit/>
+          </a:bodyPr>
+          <a:lstStyle/>
+          <a:p>
+            <a:r>
+              <a:rPr lang="en-US" sz="7200" b="1" dirty="0">
+                <a:effectLst>
+                  <a:glow rad="63500">
+                    <a:schemeClr val="accent1">
+                      <a:satMod val="175000"/>
+                      <a:alpha val="40000"/>
+                    </a:schemeClr>
+                  </a:glow>
+                  <a:outerShdw blurRad="50800" dist="38100" dir="2700000" algn="tl" rotWithShape="0">
+                    <a:prstClr val="black">
+                      <a:alpha val="40000"/>
+                    </a:prstClr>
+                  </a:outerShdw>
+                </a:effectLst>
+              </a:rPr>
+              <a:t>Extra slides</a:t>
+            </a:r>
+          </a:p>
+        </p:txBody>
+      </p:sp>
+      <p:sp>
+        <p:nvSpPr>
+          <p:cNvPr id="3" name="Content Placeholder 2">
+            <a:extLst>
+              <a:ext uri="{FF2B5EF4-FFF2-40B4-BE49-F238E27FC236}">
+                <a16:creationId xmlns:a16="http://schemas.microsoft.com/office/drawing/2014/main" id="{A3712D4D-3C72-4B1C-B3E1-D683CBBD398D}"/>
+              </a:ext>
+            </a:extLst>
+          </p:cNvPr>
+          <p:cNvSpPr>
+            <a:spLocks noGrp="1"/>
+          </p:cNvSpPr>
+          <p:nvPr>
+            <p:ph idx="1"/>
+          </p:nvPr>
+        </p:nvSpPr>
+        <p:spPr/>
+        <p:txBody>
+          <a:bodyPr/>
+          <a:lstStyle/>
+          <a:p>
+            <a:endParaRPr lang="en-US"/>
+          </a:p>
+        </p:txBody>
+      </p:sp>
+      <p:sp>
+        <p:nvSpPr>
+          <p:cNvPr id="4" name="Slide Number Placeholder 3">
+            <a:extLst>
+              <a:ext uri="{FF2B5EF4-FFF2-40B4-BE49-F238E27FC236}">
+                <a16:creationId xmlns:a16="http://schemas.microsoft.com/office/drawing/2014/main" id="{CDB09732-66C7-4A58-9EE9-27C002AAA46F}"/>
+              </a:ext>
+            </a:extLst>
+          </p:cNvPr>
+          <p:cNvSpPr>
+            <a:spLocks noGrp="1"/>
+          </p:cNvSpPr>
+          <p:nvPr>
+            <p:ph type="sldNum" sz="quarter" idx="12"/>
+          </p:nvPr>
+        </p:nvSpPr>
+        <p:spPr/>
+        <p:txBody>
+          <a:bodyPr/>
+          <a:lstStyle/>
+          <a:p>
+            <a:fld id="{3A98EE3D-8CD1-4C3F-BD1C-C98C9596463C}" type="slidenum">
+              <a:rPr lang="en-US" smtClean="0"/>
+              <a:t>10</a:t>
+            </a:fld>
+            <a:endParaRPr lang="en-US" dirty="0"/>
+          </a:p>
+        </p:txBody>
+      </p:sp>
+    </p:spTree>
+    <p:extLst>
+      <p:ext uri="{BB962C8B-B14F-4D97-AF65-F5344CB8AC3E}">
+        <p14:creationId xmlns:p14="http://schemas.microsoft.com/office/powerpoint/2010/main" val="3101458669"/>
       </p:ext>
     </p:extLst>
   </p:cSld>
@@ -4886,12 +5059,52 @@
           <a:chExt cx="0" cy="0"/>
         </a:xfrm>
       </p:grpSpPr>
-      <p:sp useBgFill="1">
-        <p:nvSpPr>
-          <p:cNvPr id="9" name="Rectangle 8">
-            <a:extLst>
-              <a:ext uri="{FF2B5EF4-FFF2-40B4-BE49-F238E27FC236}">
-                <a16:creationId xmlns:a16="http://schemas.microsoft.com/office/drawing/2014/main" id="{907EF6B7-1338-4443-8C46-6A318D952DFD}"/>
+      <p:sp>
+        <p:nvSpPr>
+          <p:cNvPr id="2" name="Title 1">
+            <a:extLst>
+              <a:ext uri="{FF2B5EF4-FFF2-40B4-BE49-F238E27FC236}">
+                <a16:creationId xmlns:a16="http://schemas.microsoft.com/office/drawing/2014/main" id="{486C7460-6181-4851-BAB5-9251170E8C2E}"/>
+              </a:ext>
+            </a:extLst>
+          </p:cNvPr>
+          <p:cNvSpPr>
+            <a:spLocks noGrp="1"/>
+          </p:cNvSpPr>
+          <p:nvPr>
+            <p:ph type="title"/>
+          </p:nvPr>
+        </p:nvSpPr>
+        <p:spPr>
+          <a:xfrm>
+            <a:off x="276446" y="117201"/>
+            <a:ext cx="9558669" cy="1325563"/>
+          </a:xfrm>
+        </p:spPr>
+        <p:txBody>
+          <a:bodyPr>
+            <a:normAutofit/>
+          </a:bodyPr>
+          <a:lstStyle/>
+          <a:p>
+            <a:pPr algn="ctr"/>
+            <a:r>
+              <a:rPr lang="en-US" sz="5400" b="1" dirty="0">
+                <a:solidFill>
+                  <a:srgbClr val="0070C0"/>
+                </a:solidFill>
+              </a:rPr>
+              <a:t>Project objectives</a:t>
+            </a:r>
+          </a:p>
+        </p:txBody>
+      </p:sp>
+      <p:sp>
+        <p:nvSpPr>
+          <p:cNvPr id="18" name="Rectangle 17">
+            <a:extLst>
+              <a:ext uri="{FF2B5EF4-FFF2-40B4-BE49-F238E27FC236}">
+                <a16:creationId xmlns:a16="http://schemas.microsoft.com/office/drawing/2014/main" id="{59A309A7-1751-4ABE-A3C1-EEC40366AD89}"/>
               </a:ext>
               <a:ext uri="{C183D7F6-B498-43B3-948B-1728B52AA6E4}">
                 <adec:decorative xmlns:adec="http://schemas.microsoft.com/office/drawing/2017/decorative" val="1"/>
@@ -4911,12 +5124,15 @@
         </p:nvSpPr>
         <p:spPr>
           <a:xfrm>
-            <a:off x="3048" y="0"/>
-            <a:ext cx="12188952" cy="6858000"/>
+            <a:off x="10088880" y="0"/>
+            <a:ext cx="2103120" cy="6858000"/>
           </a:xfrm>
           <a:prstGeom prst="rect">
             <a:avLst/>
           </a:prstGeom>
+          <a:solidFill>
+            <a:schemeClr val="accent1"/>
+          </a:solidFill>
           <a:ln>
             <a:noFill/>
           </a:ln>
@@ -4948,10 +5164,10 @@
       </p:sp>
       <p:sp>
         <p:nvSpPr>
-          <p:cNvPr id="11" name="Freeform: Shape 10">
-            <a:extLst>
-              <a:ext uri="{FF2B5EF4-FFF2-40B4-BE49-F238E27FC236}">
-                <a16:creationId xmlns:a16="http://schemas.microsoft.com/office/drawing/2014/main" id="{DAAE4CDD-124C-4DCF-9584-B6033B545DD5}"/>
+          <p:cNvPr id="20" name="Oval 19">
+            <a:extLst>
+              <a:ext uri="{FF2B5EF4-FFF2-40B4-BE49-F238E27FC236}">
+                <a16:creationId xmlns:a16="http://schemas.microsoft.com/office/drawing/2014/main" id="{967D8EB6-EAE1-4F9C-B398-83321E287204}"/>
               </a:ext>
               <a:ext uri="{C183D7F6-B498-43B3-948B-1728B52AA6E4}">
                 <adec:decorative xmlns:adec="http://schemas.microsoft.com/office/drawing/2017/decorative" val="1"/>
@@ -4971,88 +5187,19 @@
         </p:nvSpPr>
         <p:spPr>
           <a:xfrm>
-            <a:off x="1" y="0"/>
-            <a:ext cx="4167271" cy="6858000"/>
-          </a:xfrm>
-          <a:custGeom>
+            <a:off x="8915400" y="2358913"/>
+            <a:ext cx="2140172" cy="2140172"/>
+          </a:xfrm>
+          <a:prstGeom prst="ellipse">
             <a:avLst/>
-            <a:gdLst>
-              <a:gd name="connsiteX0" fmla="*/ 0 w 4167271"/>
-              <a:gd name="connsiteY0" fmla="*/ 0 h 6858000"/>
-              <a:gd name="connsiteX1" fmla="*/ 2259550 w 4167271"/>
-              <a:gd name="connsiteY1" fmla="*/ 0 h 6858000"/>
-              <a:gd name="connsiteX2" fmla="*/ 2387803 w 4167271"/>
-              <a:gd name="connsiteY2" fmla="*/ 82222 h 6858000"/>
-              <a:gd name="connsiteX3" fmla="*/ 4167271 w 4167271"/>
-              <a:gd name="connsiteY3" fmla="*/ 3429000 h 6858000"/>
-              <a:gd name="connsiteX4" fmla="*/ 2387803 w 4167271"/>
-              <a:gd name="connsiteY4" fmla="*/ 6775779 h 6858000"/>
-              <a:gd name="connsiteX5" fmla="*/ 2259550 w 4167271"/>
-              <a:gd name="connsiteY5" fmla="*/ 6858000 h 6858000"/>
-              <a:gd name="connsiteX6" fmla="*/ 0 w 4167271"/>
-              <a:gd name="connsiteY6" fmla="*/ 6858000 h 6858000"/>
-            </a:gdLst>
-            <a:ahLst/>
-            <a:cxnLst>
-              <a:cxn ang="0">
-                <a:pos x="connsiteX0" y="connsiteY0"/>
-              </a:cxn>
-              <a:cxn ang="0">
-                <a:pos x="connsiteX1" y="connsiteY1"/>
-              </a:cxn>
-              <a:cxn ang="0">
-                <a:pos x="connsiteX2" y="connsiteY2"/>
-              </a:cxn>
-              <a:cxn ang="0">
-                <a:pos x="connsiteX3" y="connsiteY3"/>
-              </a:cxn>
-              <a:cxn ang="0">
-                <a:pos x="connsiteX4" y="connsiteY4"/>
-              </a:cxn>
-              <a:cxn ang="0">
-                <a:pos x="connsiteX5" y="connsiteY5"/>
-              </a:cxn>
-              <a:cxn ang="0">
-                <a:pos x="connsiteX6" y="connsiteY6"/>
-              </a:cxn>
-            </a:cxnLst>
-            <a:rect l="l" t="t" r="r" b="b"/>
-            <a:pathLst>
-              <a:path w="4167271" h="6858000">
-                <a:moveTo>
-                  <a:pt x="0" y="0"/>
-                </a:moveTo>
-                <a:lnTo>
-                  <a:pt x="2259550" y="0"/>
-                </a:lnTo>
-                <a:lnTo>
-                  <a:pt x="2387803" y="82222"/>
-                </a:lnTo>
-                <a:cubicBezTo>
-                  <a:pt x="3461407" y="807534"/>
-                  <a:pt x="4167271" y="2035835"/>
-                  <a:pt x="4167271" y="3429000"/>
-                </a:cubicBezTo>
-                <a:cubicBezTo>
-                  <a:pt x="4167271" y="4822165"/>
-                  <a:pt x="3461407" y="6050467"/>
-                  <a:pt x="2387803" y="6775779"/>
-                </a:cubicBezTo>
-                <a:lnTo>
-                  <a:pt x="2259550" y="6858000"/>
-                </a:lnTo>
-                <a:lnTo>
-                  <a:pt x="0" y="6858000"/>
-                </a:lnTo>
-                <a:close/>
-              </a:path>
-            </a:pathLst>
-          </a:custGeom>
+          </a:prstGeom>
           <a:solidFill>
-            <a:schemeClr val="accent2"/>
+            <a:srgbClr val="FFFFFF"/>
           </a:solidFill>
-          <a:ln>
-            <a:noFill/>
+          <a:ln w="22225">
+            <a:solidFill>
+              <a:srgbClr val="009B6A"/>
+            </a:solidFill>
           </a:ln>
         </p:spPr>
         <p:style>
@@ -5082,200 +5229,6 @@
       </p:sp>
       <p:sp>
         <p:nvSpPr>
-          <p:cNvPr id="2" name="Title 1">
-            <a:extLst>
-              <a:ext uri="{FF2B5EF4-FFF2-40B4-BE49-F238E27FC236}">
-                <a16:creationId xmlns:a16="http://schemas.microsoft.com/office/drawing/2014/main" id="{486C7460-6181-4851-BAB5-9251170E8C2E}"/>
-              </a:ext>
-            </a:extLst>
-          </p:cNvPr>
-          <p:cNvSpPr>
-            <a:spLocks noGrp="1"/>
-          </p:cNvSpPr>
-          <p:nvPr>
-            <p:ph type="title"/>
-          </p:nvPr>
-        </p:nvSpPr>
-        <p:spPr>
-          <a:xfrm>
-            <a:off x="686834" y="1153572"/>
-            <a:ext cx="3200400" cy="4461163"/>
-          </a:xfrm>
-        </p:spPr>
-        <p:txBody>
-          <a:bodyPr>
-            <a:normAutofit/>
-          </a:bodyPr>
-          <a:lstStyle/>
-          <a:p>
-            <a:r>
-              <a:rPr lang="en-US" sz="4100" dirty="0">
-                <a:solidFill>
-                  <a:srgbClr val="FFFFFF"/>
-                </a:solidFill>
-              </a:rPr>
-              <a:t>OSEMN Methodology</a:t>
-            </a:r>
-          </a:p>
-        </p:txBody>
-      </p:sp>
-      <p:sp>
-        <p:nvSpPr>
-          <p:cNvPr id="13" name="Arc 12">
-            <a:extLst>
-              <a:ext uri="{FF2B5EF4-FFF2-40B4-BE49-F238E27FC236}">
-                <a16:creationId xmlns:a16="http://schemas.microsoft.com/office/drawing/2014/main" id="{081E4A58-353D-44AE-B2FC-2A74E2E400F7}"/>
-              </a:ext>
-              <a:ext uri="{C183D7F6-B498-43B3-948B-1728B52AA6E4}">
-                <adec:decorative xmlns:adec="http://schemas.microsoft.com/office/drawing/2017/decorative" val="1"/>
-              </a:ext>
-            </a:extLst>
-          </p:cNvPr>
-          <p:cNvSpPr>
-            <a:spLocks noGrp="1" noRot="1" noChangeAspect="1" noMove="1" noResize="1" noEditPoints="1" noAdjustHandles="1" noChangeArrowheads="1" noChangeShapeType="1" noTextEdit="1"/>
-          </p:cNvSpPr>
-          <p:nvPr>
-            <p:extLst>
-              <p:ext uri="{386F3935-93C4-4BCD-93E2-E3B085C9AB24}">
-                <p16:designElem xmlns:p16="http://schemas.microsoft.com/office/powerpoint/2015/main" val="1"/>
-              </p:ext>
-            </p:extLst>
-          </p:nvPr>
-        </p:nvSpPr>
-        <p:spPr>
-          <a:xfrm flipV="1">
-            <a:off x="7550402" y="2455479"/>
-            <a:ext cx="4083433" cy="4083433"/>
-          </a:xfrm>
-          <a:prstGeom prst="arc">
-            <a:avLst/>
-          </a:prstGeom>
-          <a:ln w="127000" cap="rnd">
-            <a:solidFill>
-              <a:schemeClr val="accent4"/>
-            </a:solidFill>
-            <a:prstDash val="dash"/>
-          </a:ln>
-        </p:spPr>
-        <p:style>
-          <a:lnRef idx="1">
-            <a:schemeClr val="accent1"/>
-          </a:lnRef>
-          <a:fillRef idx="0">
-            <a:schemeClr val="accent1"/>
-          </a:fillRef>
-          <a:effectRef idx="0">
-            <a:schemeClr val="accent1"/>
-          </a:effectRef>
-          <a:fontRef idx="minor">
-            <a:schemeClr val="tx1"/>
-          </a:fontRef>
-        </p:style>
-        <p:txBody>
-          <a:bodyPr rtlCol="0" anchor="ctr"/>
-          <a:lstStyle/>
-          <a:p>
-            <a:pPr algn="ctr"/>
-            <a:endParaRPr lang="en-US" dirty="0"/>
-          </a:p>
-        </p:txBody>
-      </p:sp>
-      <p:sp>
-        <p:nvSpPr>
-          <p:cNvPr id="3" name="Content Placeholder 2">
-            <a:extLst>
-              <a:ext uri="{FF2B5EF4-FFF2-40B4-BE49-F238E27FC236}">
-                <a16:creationId xmlns:a16="http://schemas.microsoft.com/office/drawing/2014/main" id="{FDF3DBE7-1343-469C-93D9-1D79A4A09F97}"/>
-              </a:ext>
-            </a:extLst>
-          </p:cNvPr>
-          <p:cNvSpPr>
-            <a:spLocks noGrp="1"/>
-          </p:cNvSpPr>
-          <p:nvPr>
-            <p:ph idx="1"/>
-          </p:nvPr>
-        </p:nvSpPr>
-        <p:spPr>
-          <a:xfrm>
-            <a:off x="4167272" y="136525"/>
-            <a:ext cx="7889745" cy="6721475"/>
-          </a:xfrm>
-        </p:spPr>
-        <p:txBody>
-          <a:bodyPr anchor="ctr">
-            <a:normAutofit lnSpcReduction="10000"/>
-          </a:bodyPr>
-          <a:lstStyle/>
-          <a:p>
-            <a:r>
-              <a:rPr lang="en-US" b="1" dirty="0"/>
-              <a:t>Obtain</a:t>
-            </a:r>
-            <a:r>
-              <a:rPr lang="en-US" dirty="0"/>
-              <a:t> : get data, evaluate requirements and formulate set of specific questions, the project can likely answer. </a:t>
-            </a:r>
-          </a:p>
-          <a:p>
-            <a:endParaRPr lang="en-US" dirty="0"/>
-          </a:p>
-          <a:p>
-            <a:r>
-              <a:rPr lang="en-US" b="1" dirty="0"/>
-              <a:t>Scrub</a:t>
-            </a:r>
-            <a:r>
-              <a:rPr lang="en-US" dirty="0"/>
-              <a:t>: Process and clean data. Remove outliers.</a:t>
-            </a:r>
-          </a:p>
-          <a:p>
-            <a:endParaRPr lang="en-US" dirty="0"/>
-          </a:p>
-          <a:p>
-            <a:r>
-              <a:rPr lang="en-US" b="1" dirty="0"/>
-              <a:t>Explore</a:t>
-            </a:r>
-            <a:r>
-              <a:rPr lang="en-US" dirty="0"/>
-              <a:t>: analyze and visualize data as much as possible to illuminate the questions. </a:t>
-            </a:r>
-          </a:p>
-          <a:p>
-            <a:endParaRPr lang="en-US" dirty="0"/>
-          </a:p>
-          <a:p>
-            <a:r>
-              <a:rPr lang="en-US" b="1" dirty="0"/>
-              <a:t>Model</a:t>
-            </a:r>
-            <a:r>
-              <a:rPr lang="en-US" dirty="0"/>
-              <a:t>: pic a suitable ML model and fit the data. Validate the model and test for accuracy.</a:t>
-            </a:r>
-          </a:p>
-          <a:p>
-            <a:endParaRPr lang="en-US" dirty="0"/>
-          </a:p>
-          <a:p>
-            <a:r>
-              <a:rPr lang="en-US" b="1" dirty="0"/>
-              <a:t>Interpret</a:t>
-            </a:r>
-            <a:r>
-              <a:rPr lang="en-US" dirty="0"/>
-              <a:t>: more data analysis and visualization and interpret the model in order to answer the questions in the first section. </a:t>
-            </a:r>
-          </a:p>
-          <a:p>
-            <a:endParaRPr lang="en-US" dirty="0"/>
-          </a:p>
-        </p:txBody>
-      </p:sp>
-      <p:sp>
-        <p:nvSpPr>
           <p:cNvPr id="4" name="Slide Number Placeholder 3">
             <a:extLst>
               <a:ext uri="{FF2B5EF4-FFF2-40B4-BE49-F238E27FC236}">
@@ -5292,8 +5245,8 @@
         </p:nvSpPr>
         <p:spPr>
           <a:xfrm>
-            <a:off x="9541564" y="6356350"/>
-            <a:ext cx="1812235" cy="365125"/>
+            <a:off x="10341428" y="6356350"/>
+            <a:ext cx="1012371" cy="365125"/>
           </a:xfrm>
         </p:spPr>
         <p:txBody>
@@ -5308,7 +5261,11 @@
               </a:spcAft>
             </a:pPr>
             <a:fld id="{3A98EE3D-8CD1-4C3F-BD1C-C98C9596463C}" type="slidenum">
-              <a:rPr lang="en-US" smtClean="0"/>
+              <a:rPr lang="en-US">
+                <a:solidFill>
+                  <a:srgbClr val="FFFFFF"/>
+                </a:solidFill>
+              </a:rPr>
               <a:pPr>
                 <a:spcAft>
                   <a:spcPts val="600"/>
@@ -5316,14 +5273,178 @@
               </a:pPr>
               <a:t>2</a:t>
             </a:fld>
-            <a:endParaRPr lang="en-US"/>
-          </a:p>
-        </p:txBody>
-      </p:sp>
+            <a:endParaRPr lang="en-US">
+              <a:solidFill>
+                <a:srgbClr val="FFFFFF"/>
+              </a:solidFill>
+            </a:endParaRPr>
+          </a:p>
+        </p:txBody>
+      </p:sp>
+      <p:sp>
+        <p:nvSpPr>
+          <p:cNvPr id="7" name="Content Placeholder 6">
+            <a:extLst>
+              <a:ext uri="{FF2B5EF4-FFF2-40B4-BE49-F238E27FC236}">
+                <a16:creationId xmlns:a16="http://schemas.microsoft.com/office/drawing/2014/main" id="{347C9BA2-3EC3-482D-85BE-1A59357076B4}"/>
+              </a:ext>
+            </a:extLst>
+          </p:cNvPr>
+          <p:cNvSpPr>
+            <a:spLocks noGrp="1"/>
+          </p:cNvSpPr>
+          <p:nvPr>
+            <p:ph idx="1"/>
+          </p:nvPr>
+        </p:nvSpPr>
+        <p:spPr>
+          <a:xfrm>
+            <a:off x="104775" y="1638300"/>
+            <a:ext cx="9267825" cy="4867275"/>
+          </a:xfrm>
+        </p:spPr>
+        <p:txBody>
+          <a:bodyPr>
+            <a:normAutofit/>
+          </a:bodyPr>
+          <a:lstStyle/>
+          <a:p>
+            <a:pPr marL="0" indent="0">
+              <a:buNone/>
+            </a:pPr>
+            <a:r>
+              <a:rPr lang="en-US" dirty="0" err="1">
+                <a:solidFill>
+                  <a:srgbClr val="002060"/>
+                </a:solidFill>
+              </a:rPr>
+              <a:t>TelCo</a:t>
+            </a:r>
+            <a:r>
+              <a:rPr lang="en-US" dirty="0">
+                <a:solidFill>
+                  <a:srgbClr val="002060"/>
+                </a:solidFill>
+              </a:rPr>
+              <a:t> desires to have a data driven customer churn prediction model to facilitate future marketing decision.</a:t>
+            </a:r>
+            <a:r>
+              <a:rPr lang="en-US" dirty="0"/>
+              <a:t> </a:t>
+            </a:r>
+          </a:p>
+          <a:p>
+            <a:pPr marL="0" indent="0">
+              <a:buNone/>
+            </a:pPr>
+            <a:endParaRPr lang="en-US" sz="2400" dirty="0"/>
+          </a:p>
+          <a:p>
+            <a:pPr marL="747713" indent="-457200">
+              <a:buFont typeface="+mj-lt"/>
+              <a:buAutoNum type="arabicPeriod"/>
+            </a:pPr>
+            <a:r>
+              <a:rPr lang="en-US" sz="2400" dirty="0"/>
+              <a:t>What is the current customer churn distribution ?</a:t>
+            </a:r>
+          </a:p>
+          <a:p>
+            <a:pPr marL="747713" indent="-457200">
+              <a:buFont typeface="+mj-lt"/>
+              <a:buAutoNum type="arabicPeriod"/>
+            </a:pPr>
+            <a:endParaRPr lang="en-US" sz="2400" dirty="0"/>
+          </a:p>
+          <a:p>
+            <a:pPr marL="747713" indent="-457200">
+              <a:buFont typeface="+mj-lt"/>
+              <a:buAutoNum type="arabicPeriod"/>
+            </a:pPr>
+            <a:r>
+              <a:rPr lang="en-US" sz="2400" dirty="0"/>
+              <a:t>What is the best classification method to model customer churn ?</a:t>
+            </a:r>
+          </a:p>
+          <a:p>
+            <a:pPr marL="747713" indent="-457200">
+              <a:buFont typeface="+mj-lt"/>
+              <a:buAutoNum type="arabicPeriod"/>
+            </a:pPr>
+            <a:endParaRPr lang="en-US" sz="2400" dirty="0"/>
+          </a:p>
+          <a:p>
+            <a:pPr marL="747713" indent="-457200">
+              <a:buFont typeface="+mj-lt"/>
+              <a:buAutoNum type="arabicPeriod"/>
+            </a:pPr>
+            <a:r>
+              <a:rPr lang="en-US" sz="2400" dirty="0"/>
+              <a:t>What features prompt customer churn ? </a:t>
+            </a:r>
+          </a:p>
+          <a:p>
+            <a:pPr marL="747713" indent="-457200">
+              <a:buFont typeface="+mj-lt"/>
+              <a:buAutoNum type="arabicPeriod"/>
+            </a:pPr>
+            <a:endParaRPr lang="en-US" sz="2400" dirty="0"/>
+          </a:p>
+          <a:p>
+            <a:pPr marL="747713" indent="-457200">
+              <a:buFont typeface="+mj-lt"/>
+              <a:buAutoNum type="arabicPeriod"/>
+            </a:pPr>
+            <a:r>
+              <a:rPr lang="en-US" sz="2400" dirty="0"/>
+              <a:t>Recommendations for the marketing team to retain customers</a:t>
+            </a:r>
+          </a:p>
+          <a:p>
+            <a:endParaRPr lang="en-US" sz="2400" dirty="0"/>
+          </a:p>
+        </p:txBody>
+      </p:sp>
+      <p:pic>
+        <p:nvPicPr>
+          <p:cNvPr id="11" name="Picture 10" descr="A picture containing drawing&#10;&#10;Description automatically generated">
+            <a:extLst>
+              <a:ext uri="{FF2B5EF4-FFF2-40B4-BE49-F238E27FC236}">
+                <a16:creationId xmlns:a16="http://schemas.microsoft.com/office/drawing/2014/main" id="{32ADF933-0C88-4FF9-8555-3E7030649068}"/>
+              </a:ext>
+            </a:extLst>
+          </p:cNvPr>
+          <p:cNvPicPr>
+            <a:picLocks noChangeAspect="1"/>
+          </p:cNvPicPr>
+          <p:nvPr/>
+        </p:nvPicPr>
+        <p:blipFill>
+          <a:blip r:embed="rId2">
+            <a:extLst>
+              <a:ext uri="{28A0092B-C50C-407E-A947-70E740481C1C}">
+                <a14:useLocalDpi xmlns:a14="http://schemas.microsoft.com/office/drawing/2010/main" val="0"/>
+              </a:ext>
+            </a:extLst>
+          </a:blip>
+          <a:stretch>
+            <a:fillRect/>
+          </a:stretch>
+        </p:blipFill>
+        <p:spPr>
+          <a:xfrm>
+            <a:off x="9578839" y="2610444"/>
+            <a:ext cx="1020082" cy="1615844"/>
+          </a:xfrm>
+          <a:prstGeom prst="rect">
+            <a:avLst/>
+          </a:prstGeom>
+        </p:spPr>
+      </p:pic>
     </p:spTree>
     <p:extLst>
       <p:ext uri="{BB962C8B-B14F-4D97-AF65-F5344CB8AC3E}">
-        <p14:creationId xmlns:p14="http://schemas.microsoft.com/office/powerpoint/2010/main" val="591787335"/>
+        <p14:creationId xmlns:p14="http://schemas.microsoft.com/office/powerpoint/2010/main" val="3046890524"/>
       </p:ext>
     </p:extLst>
   </p:cSld>
@@ -5339,10 +5460,7 @@
     <p:bg>
       <p:bgPr>
         <a:solidFill>
-          <a:schemeClr val="bg1">
-            <a:tint val="95000"/>
-            <a:satMod val="170000"/>
-          </a:schemeClr>
+          <a:schemeClr val="bg1"/>
         </a:solidFill>
         <a:effectLst/>
       </p:bgPr>
@@ -5366,7 +5484,7 @@
           <p:cNvPr id="2" name="Title 1">
             <a:extLst>
               <a:ext uri="{FF2B5EF4-FFF2-40B4-BE49-F238E27FC236}">
-                <a16:creationId xmlns:a16="http://schemas.microsoft.com/office/drawing/2014/main" id="{F798FE82-EFC6-47FC-BDEE-795A2F028F11}"/>
+                <a16:creationId xmlns:a16="http://schemas.microsoft.com/office/drawing/2014/main" id="{486C7460-6181-4851-BAB5-9251170E8C2E}"/>
               </a:ext>
             </a:extLst>
           </p:cNvPr>
@@ -5379,29 +5497,186 @@
         </p:nvSpPr>
         <p:spPr>
           <a:xfrm>
-            <a:off x="7464614" y="1390254"/>
-            <a:ext cx="4087306" cy="642000"/>
-          </a:xfrm>
-        </p:spPr>
-        <p:txBody>
-          <a:bodyPr vert="horz" lIns="91440" tIns="45720" rIns="91440" bIns="45720" rtlCol="0" anchor="b">
+            <a:off x="276446" y="50526"/>
+            <a:ext cx="9558669" cy="1073424"/>
+          </a:xfrm>
+        </p:spPr>
+        <p:txBody>
+          <a:bodyPr>
             <a:normAutofit/>
           </a:bodyPr>
           <a:lstStyle/>
           <a:p>
             <a:r>
-              <a:rPr lang="en-US" sz="3800" dirty="0"/>
-              <a:t>Acknowledgement</a:t>
-            </a:r>
-          </a:p>
-        </p:txBody>
-      </p:sp>
-      <p:sp>
-        <p:nvSpPr>
-          <p:cNvPr id="13" name="Freeform: Shape 12">
-            <a:extLst>
-              <a:ext uri="{FF2B5EF4-FFF2-40B4-BE49-F238E27FC236}">
-                <a16:creationId xmlns:a16="http://schemas.microsoft.com/office/drawing/2014/main" id="{E49CC64F-7275-4E33-961B-0C5CDC439875}"/>
+              <a:rPr lang="en-US" sz="5400" b="1" dirty="0">
+                <a:solidFill>
+                  <a:srgbClr val="0070C0"/>
+                </a:solidFill>
+              </a:rPr>
+              <a:t>Methodology</a:t>
+            </a:r>
+          </a:p>
+        </p:txBody>
+      </p:sp>
+      <p:sp>
+        <p:nvSpPr>
+          <p:cNvPr id="3" name="Content Placeholder 2">
+            <a:extLst>
+              <a:ext uri="{FF2B5EF4-FFF2-40B4-BE49-F238E27FC236}">
+                <a16:creationId xmlns:a16="http://schemas.microsoft.com/office/drawing/2014/main" id="{FDF3DBE7-1343-469C-93D9-1D79A4A09F97}"/>
+              </a:ext>
+            </a:extLst>
+          </p:cNvPr>
+          <p:cNvSpPr>
+            <a:spLocks noGrp="1"/>
+          </p:cNvSpPr>
+          <p:nvPr>
+            <p:ph idx="1"/>
+          </p:nvPr>
+        </p:nvSpPr>
+        <p:spPr>
+          <a:xfrm>
+            <a:off x="182515" y="1123950"/>
+            <a:ext cx="9652600" cy="5857874"/>
+          </a:xfrm>
+        </p:spPr>
+        <p:txBody>
+          <a:bodyPr anchor="ctr">
+            <a:normAutofit lnSpcReduction="10000"/>
+          </a:bodyPr>
+          <a:lstStyle/>
+          <a:p>
+            <a:r>
+              <a:rPr lang="en-US" sz="2000" b="1" dirty="0"/>
+              <a:t>Obtain</a:t>
+            </a:r>
+            <a:r>
+              <a:rPr lang="en-US" sz="2000" dirty="0"/>
+              <a:t> : get data, evaluate requirements and formulate set of specific questions, the project can likely answer. </a:t>
+            </a:r>
+          </a:p>
+          <a:p>
+            <a:endParaRPr lang="en-US" sz="2000" dirty="0"/>
+          </a:p>
+          <a:p>
+            <a:r>
+              <a:rPr lang="en-US" sz="2000" b="1" dirty="0"/>
+              <a:t>Scrub</a:t>
+            </a:r>
+            <a:r>
+              <a:rPr lang="en-US" sz="2000" dirty="0"/>
+              <a:t>: Process and clean data. Remove outliers.</a:t>
+            </a:r>
+          </a:p>
+          <a:p>
+            <a:endParaRPr lang="en-US" sz="2000" dirty="0"/>
+          </a:p>
+          <a:p>
+            <a:r>
+              <a:rPr lang="en-US" sz="2000" b="1" dirty="0"/>
+              <a:t>Explore</a:t>
+            </a:r>
+            <a:r>
+              <a:rPr lang="en-US" sz="2000" dirty="0"/>
+              <a:t>: analyze and visualize data as much as possible to illuminate the </a:t>
+            </a:r>
+          </a:p>
+          <a:p>
+            <a:pPr marL="0" indent="0">
+              <a:buNone/>
+            </a:pPr>
+            <a:r>
+              <a:rPr lang="en-US" sz="2000" dirty="0"/>
+              <a:t>questions. </a:t>
+            </a:r>
+          </a:p>
+          <a:p>
+            <a:endParaRPr lang="en-US" sz="2000" dirty="0"/>
+          </a:p>
+          <a:p>
+            <a:r>
+              <a:rPr lang="en-US" sz="2000" b="1" dirty="0"/>
+              <a:t>Model</a:t>
+            </a:r>
+            <a:r>
+              <a:rPr lang="en-US" sz="2000" dirty="0"/>
+              <a:t>: pic a suitable ML model and fit the data. Validate the model and test for </a:t>
+            </a:r>
+          </a:p>
+          <a:p>
+            <a:pPr marL="0" indent="0">
+              <a:buNone/>
+            </a:pPr>
+            <a:r>
+              <a:rPr lang="en-US" sz="2000" dirty="0"/>
+              <a:t>accuracy.</a:t>
+            </a:r>
+          </a:p>
+          <a:p>
+            <a:pPr marL="800100" lvl="1" indent="-342900">
+              <a:buFont typeface="+mj-lt"/>
+              <a:buAutoNum type="arabicPeriod"/>
+            </a:pPr>
+            <a:r>
+              <a:rPr lang="en-US" sz="1600" dirty="0"/>
+              <a:t>Logistic regression</a:t>
+            </a:r>
+          </a:p>
+          <a:p>
+            <a:pPr marL="800100" lvl="1" indent="-342900">
+              <a:buFont typeface="+mj-lt"/>
+              <a:buAutoNum type="arabicPeriod"/>
+            </a:pPr>
+            <a:r>
+              <a:rPr lang="en-US" sz="1600" dirty="0"/>
+              <a:t>SVM</a:t>
+            </a:r>
+          </a:p>
+          <a:p>
+            <a:pPr marL="800100" lvl="1" indent="-342900">
+              <a:buFont typeface="+mj-lt"/>
+              <a:buAutoNum type="arabicPeriod"/>
+            </a:pPr>
+            <a:r>
+              <a:rPr lang="en-US" sz="1600" dirty="0"/>
+              <a:t>Random Forrest</a:t>
+            </a:r>
+          </a:p>
+          <a:p>
+            <a:pPr marL="800100" lvl="1" indent="-342900">
+              <a:buFont typeface="+mj-lt"/>
+              <a:buAutoNum type="arabicPeriod"/>
+            </a:pPr>
+            <a:r>
+              <a:rPr lang="en-US" sz="1600" dirty="0" err="1"/>
+              <a:t>XGBoost</a:t>
+            </a:r>
+            <a:endParaRPr lang="en-US" sz="1600" dirty="0"/>
+          </a:p>
+          <a:p>
+            <a:endParaRPr lang="en-US" sz="2000" dirty="0"/>
+          </a:p>
+          <a:p>
+            <a:r>
+              <a:rPr lang="en-US" sz="2000" b="1" dirty="0" err="1"/>
+              <a:t>iNterpret</a:t>
+            </a:r>
+            <a:r>
+              <a:rPr lang="en-US" sz="2000" dirty="0"/>
+              <a:t>: more data analysis and visualization and interpret the model in order to answer the questions in the first section. </a:t>
+            </a:r>
+          </a:p>
+          <a:p>
+            <a:endParaRPr lang="en-US" sz="2000" dirty="0"/>
+          </a:p>
+        </p:txBody>
+      </p:sp>
+      <p:sp>
+        <p:nvSpPr>
+          <p:cNvPr id="18" name="Rectangle 17">
+            <a:extLst>
+              <a:ext uri="{FF2B5EF4-FFF2-40B4-BE49-F238E27FC236}">
+                <a16:creationId xmlns:a16="http://schemas.microsoft.com/office/drawing/2014/main" id="{59A309A7-1751-4ABE-A3C1-EEC40366AD89}"/>
               </a:ext>
               <a:ext uri="{C183D7F6-B498-43B3-948B-1728B52AA6E4}">
                 <adec:decorative xmlns:adec="http://schemas.microsoft.com/office/drawing/2017/decorative" val="1"/>
@@ -5420,88 +5695,15 @@
           </p:nvPr>
         </p:nvSpPr>
         <p:spPr>
-          <a:xfrm flipH="1" flipV="1">
-            <a:off x="1" y="0"/>
-            <a:ext cx="7188051" cy="6858000"/>
-          </a:xfrm>
-          <a:custGeom>
+          <a:xfrm>
+            <a:off x="10088880" y="0"/>
+            <a:ext cx="2103120" cy="6858000"/>
+          </a:xfrm>
+          <a:prstGeom prst="rect">
             <a:avLst/>
-            <a:gdLst>
-              <a:gd name="connsiteX0" fmla="*/ 7188051 w 7188051"/>
-              <a:gd name="connsiteY0" fmla="*/ 6858000 h 6858000"/>
-              <a:gd name="connsiteX1" fmla="*/ 108694 w 7188051"/>
-              <a:gd name="connsiteY1" fmla="*/ 6858000 h 6858000"/>
-              <a:gd name="connsiteX2" fmla="*/ 79127 w 7188051"/>
-              <a:gd name="connsiteY2" fmla="*/ 6681235 h 6858000"/>
-              <a:gd name="connsiteX3" fmla="*/ 0 w 7188051"/>
-              <a:gd name="connsiteY3" fmla="*/ 5565888 h 6858000"/>
-              <a:gd name="connsiteX4" fmla="*/ 2190696 w 7188051"/>
-              <a:gd name="connsiteY4" fmla="*/ 145339 h 6858000"/>
-              <a:gd name="connsiteX5" fmla="*/ 2339431 w 7188051"/>
-              <a:gd name="connsiteY5" fmla="*/ 0 h 6858000"/>
-              <a:gd name="connsiteX6" fmla="*/ 7188051 w 7188051"/>
-              <a:gd name="connsiteY6" fmla="*/ 0 h 6858000"/>
-            </a:gdLst>
-            <a:ahLst/>
-            <a:cxnLst>
-              <a:cxn ang="0">
-                <a:pos x="connsiteX0" y="connsiteY0"/>
-              </a:cxn>
-              <a:cxn ang="0">
-                <a:pos x="connsiteX1" y="connsiteY1"/>
-              </a:cxn>
-              <a:cxn ang="0">
-                <a:pos x="connsiteX2" y="connsiteY2"/>
-              </a:cxn>
-              <a:cxn ang="0">
-                <a:pos x="connsiteX3" y="connsiteY3"/>
-              </a:cxn>
-              <a:cxn ang="0">
-                <a:pos x="connsiteX4" y="connsiteY4"/>
-              </a:cxn>
-              <a:cxn ang="0">
-                <a:pos x="connsiteX5" y="connsiteY5"/>
-              </a:cxn>
-              <a:cxn ang="0">
-                <a:pos x="connsiteX6" y="connsiteY6"/>
-              </a:cxn>
-            </a:cxnLst>
-            <a:rect l="l" t="t" r="r" b="b"/>
-            <a:pathLst>
-              <a:path w="7188051" h="6858000">
-                <a:moveTo>
-                  <a:pt x="7188051" y="6858000"/>
-                </a:moveTo>
-                <a:lnTo>
-                  <a:pt x="108694" y="6858000"/>
-                </a:lnTo>
-                <a:lnTo>
-                  <a:pt x="79127" y="6681235"/>
-                </a:lnTo>
-                <a:cubicBezTo>
-                  <a:pt x="26981" y="6316967"/>
-                  <a:pt x="0" y="5944579"/>
-                  <a:pt x="0" y="5565888"/>
-                </a:cubicBezTo>
-                <a:cubicBezTo>
-                  <a:pt x="0" y="3459953"/>
-                  <a:pt x="834428" y="1548908"/>
-                  <a:pt x="2190696" y="145339"/>
-                </a:cubicBezTo>
-                <a:lnTo>
-                  <a:pt x="2339431" y="0"/>
-                </a:lnTo>
-                <a:lnTo>
-                  <a:pt x="7188051" y="0"/>
-                </a:lnTo>
-                <a:close/>
-              </a:path>
-            </a:pathLst>
-          </a:custGeom>
+          </a:prstGeom>
           <a:solidFill>
-            <a:schemeClr val="tx1">
-              <a:alpha val="80000"/>
-            </a:schemeClr>
+            <a:schemeClr val="accent1"/>
           </a:solidFill>
           <a:ln>
             <a:noFill/>
@@ -5524,13 +5726,1896 @@
           </a:fontRef>
         </p:style>
         <p:txBody>
-          <a:bodyPr wrap="square" rtlCol="0" anchor="ctr">
-            <a:noAutofit/>
+          <a:bodyPr rtlCol="0" anchor="ctr"/>
+          <a:lstStyle/>
+          <a:p>
+            <a:pPr algn="ctr"/>
+            <a:endParaRPr lang="en-US"/>
+          </a:p>
+        </p:txBody>
+      </p:sp>
+      <p:sp>
+        <p:nvSpPr>
+          <p:cNvPr id="20" name="Oval 19">
+            <a:extLst>
+              <a:ext uri="{FF2B5EF4-FFF2-40B4-BE49-F238E27FC236}">
+                <a16:creationId xmlns:a16="http://schemas.microsoft.com/office/drawing/2014/main" id="{967D8EB6-EAE1-4F9C-B398-83321E287204}"/>
+              </a:ext>
+              <a:ext uri="{C183D7F6-B498-43B3-948B-1728B52AA6E4}">
+                <adec:decorative xmlns:adec="http://schemas.microsoft.com/office/drawing/2017/decorative" val="1"/>
+              </a:ext>
+            </a:extLst>
+          </p:cNvPr>
+          <p:cNvSpPr>
+            <a:spLocks noGrp="1" noRot="1" noChangeAspect="1" noMove="1" noResize="1" noEditPoints="1" noAdjustHandles="1" noChangeArrowheads="1" noChangeShapeType="1" noTextEdit="1"/>
+          </p:cNvSpPr>
+          <p:nvPr>
+            <p:extLst>
+              <p:ext uri="{386F3935-93C4-4BCD-93E2-E3B085C9AB24}">
+                <p16:designElem xmlns:p16="http://schemas.microsoft.com/office/powerpoint/2015/main" val="1"/>
+              </p:ext>
+            </p:extLst>
+          </p:nvPr>
+        </p:nvSpPr>
+        <p:spPr>
+          <a:xfrm>
+            <a:off x="8915400" y="2358913"/>
+            <a:ext cx="2140172" cy="2140172"/>
+          </a:xfrm>
+          <a:prstGeom prst="ellipse">
+            <a:avLst/>
+          </a:prstGeom>
+          <a:solidFill>
+            <a:srgbClr val="FFFFFF"/>
+          </a:solidFill>
+          <a:ln w="22225">
+            <a:solidFill>
+              <a:srgbClr val="009B6A"/>
+            </a:solidFill>
+          </a:ln>
+        </p:spPr>
+        <p:style>
+          <a:lnRef idx="2">
+            <a:schemeClr val="accent1">
+              <a:shade val="50000"/>
+            </a:schemeClr>
+          </a:lnRef>
+          <a:fillRef idx="1">
+            <a:schemeClr val="accent1"/>
+          </a:fillRef>
+          <a:effectRef idx="0">
+            <a:schemeClr val="accent1"/>
+          </a:effectRef>
+          <a:fontRef idx="minor">
+            <a:schemeClr val="lt1"/>
+          </a:fontRef>
+        </p:style>
+        <p:txBody>
+          <a:bodyPr rtlCol="0" anchor="ctr"/>
+          <a:lstStyle/>
+          <a:p>
+            <a:pPr algn="ctr"/>
+            <a:endParaRPr lang="en-US"/>
+          </a:p>
+        </p:txBody>
+      </p:sp>
+      <p:pic>
+        <p:nvPicPr>
+          <p:cNvPr id="6" name="Picture 5" descr="A close up of a logo&#10;&#10;Description automatically generated">
+            <a:extLst>
+              <a:ext uri="{FF2B5EF4-FFF2-40B4-BE49-F238E27FC236}">
+                <a16:creationId xmlns:a16="http://schemas.microsoft.com/office/drawing/2014/main" id="{B61BBF4B-8AB9-4C6C-8532-FFC9E90DA049}"/>
+              </a:ext>
+            </a:extLst>
+          </p:cNvPr>
+          <p:cNvPicPr>
+            <a:picLocks noChangeAspect="1"/>
+          </p:cNvPicPr>
+          <p:nvPr/>
+        </p:nvPicPr>
+        <p:blipFill>
+          <a:blip r:embed="rId2">
+            <a:extLst>
+              <a:ext uri="{28A0092B-C50C-407E-A947-70E740481C1C}">
+                <a14:useLocalDpi xmlns:a14="http://schemas.microsoft.com/office/drawing/2010/main" val="0"/>
+              </a:ext>
+            </a:extLst>
+          </a:blip>
+          <a:stretch>
+            <a:fillRect/>
+          </a:stretch>
+        </p:blipFill>
+        <p:spPr>
+          <a:xfrm>
+            <a:off x="9351213" y="2651711"/>
+            <a:ext cx="1291978" cy="1526883"/>
+          </a:xfrm>
+          <a:prstGeom prst="rect">
+            <a:avLst/>
+          </a:prstGeom>
+        </p:spPr>
+      </p:pic>
+      <p:sp>
+        <p:nvSpPr>
+          <p:cNvPr id="4" name="Slide Number Placeholder 3">
+            <a:extLst>
+              <a:ext uri="{FF2B5EF4-FFF2-40B4-BE49-F238E27FC236}">
+                <a16:creationId xmlns:a16="http://schemas.microsoft.com/office/drawing/2014/main" id="{CD391608-148A-4BEC-8C0E-42A86A592646}"/>
+              </a:ext>
+            </a:extLst>
+          </p:cNvPr>
+          <p:cNvSpPr>
+            <a:spLocks noGrp="1"/>
+          </p:cNvSpPr>
+          <p:nvPr>
+            <p:ph type="sldNum" sz="quarter" idx="12"/>
+          </p:nvPr>
+        </p:nvSpPr>
+        <p:spPr>
+          <a:xfrm>
+            <a:off x="10341428" y="6356350"/>
+            <a:ext cx="1012371" cy="365125"/>
+          </a:xfrm>
+        </p:spPr>
+        <p:txBody>
+          <a:bodyPr>
+            <a:normAutofit/>
           </a:bodyPr>
           <a:lstStyle/>
           <a:p>
+            <a:pPr>
+              <a:spcAft>
+                <a:spcPts val="600"/>
+              </a:spcAft>
+            </a:pPr>
+            <a:fld id="{3A98EE3D-8CD1-4C3F-BD1C-C98C9596463C}" type="slidenum">
+              <a:rPr lang="en-US">
+                <a:solidFill>
+                  <a:srgbClr val="FFFFFF"/>
+                </a:solidFill>
+              </a:rPr>
+              <a:pPr>
+                <a:spcAft>
+                  <a:spcPts val="600"/>
+                </a:spcAft>
+              </a:pPr>
+              <a:t>3</a:t>
+            </a:fld>
+            <a:endParaRPr lang="en-US">
+              <a:solidFill>
+                <a:srgbClr val="FFFFFF"/>
+              </a:solidFill>
+            </a:endParaRPr>
+          </a:p>
+        </p:txBody>
+      </p:sp>
+    </p:spTree>
+    <p:extLst>
+      <p:ext uri="{BB962C8B-B14F-4D97-AF65-F5344CB8AC3E}">
+        <p14:creationId xmlns:p14="http://schemas.microsoft.com/office/powerpoint/2010/main" val="591787335"/>
+      </p:ext>
+    </p:extLst>
+  </p:cSld>
+  <p:clrMapOvr>
+    <a:masterClrMapping/>
+  </p:clrMapOvr>
+</p:sld>
+</file>
+
+<file path=ppt/slides/slide4.xml><?xml version="1.0" encoding="utf-8"?>
+<p:sld xmlns:a="http://schemas.openxmlformats.org/drawingml/2006/main" xmlns:r="http://schemas.openxmlformats.org/officeDocument/2006/relationships" xmlns:p="http://schemas.openxmlformats.org/presentationml/2006/main">
+  <p:cSld>
+    <p:bg>
+      <p:bgPr>
+        <a:solidFill>
+          <a:schemeClr val="bg1"/>
+        </a:solidFill>
+        <a:effectLst/>
+      </p:bgPr>
+    </p:bg>
+    <p:spTree>
+      <p:nvGrpSpPr>
+        <p:cNvPr id="1" name=""/>
+        <p:cNvGrpSpPr/>
+        <p:nvPr/>
+      </p:nvGrpSpPr>
+      <p:grpSpPr>
+        <a:xfrm>
+          <a:off x="0" y="0"/>
+          <a:ext cx="0" cy="0"/>
+          <a:chOff x="0" y="0"/>
+          <a:chExt cx="0" cy="0"/>
+        </a:xfrm>
+      </p:grpSpPr>
+      <p:sp>
+        <p:nvSpPr>
+          <p:cNvPr id="2" name="Title 1">
+            <a:extLst>
+              <a:ext uri="{FF2B5EF4-FFF2-40B4-BE49-F238E27FC236}">
+                <a16:creationId xmlns:a16="http://schemas.microsoft.com/office/drawing/2014/main" id="{E1232739-BD5F-460A-B266-2CFD14EE2F37}"/>
+              </a:ext>
+            </a:extLst>
+          </p:cNvPr>
+          <p:cNvSpPr>
+            <a:spLocks noGrp="1"/>
+          </p:cNvSpPr>
+          <p:nvPr>
+            <p:ph type="title"/>
+          </p:nvPr>
+        </p:nvSpPr>
+        <p:spPr>
+          <a:xfrm>
+            <a:off x="0" y="-130628"/>
+            <a:ext cx="9808380" cy="1101012"/>
+          </a:xfrm>
+        </p:spPr>
+        <p:txBody>
+          <a:bodyPr>
+            <a:normAutofit/>
+          </a:bodyPr>
+          <a:lstStyle/>
+          <a:p>
+            <a:r>
+              <a:rPr lang="en-US" sz="5400" b="1" dirty="0">
+                <a:solidFill>
+                  <a:srgbClr val="0070C0"/>
+                </a:solidFill>
+              </a:rPr>
+              <a:t>Best Model is Random Forest </a:t>
+            </a:r>
+          </a:p>
+        </p:txBody>
+      </p:sp>
+      <p:sp>
+        <p:nvSpPr>
+          <p:cNvPr id="11" name="Rectangle 10">
+            <a:extLst>
+              <a:ext uri="{FF2B5EF4-FFF2-40B4-BE49-F238E27FC236}">
+                <a16:creationId xmlns:a16="http://schemas.microsoft.com/office/drawing/2014/main" id="{59A309A7-1751-4ABE-A3C1-EEC40366AD89}"/>
+              </a:ext>
+              <a:ext uri="{C183D7F6-B498-43B3-948B-1728B52AA6E4}">
+                <adec:decorative xmlns:adec="http://schemas.microsoft.com/office/drawing/2017/decorative" val="1"/>
+              </a:ext>
+            </a:extLst>
+          </p:cNvPr>
+          <p:cNvSpPr>
+            <a:spLocks noGrp="1" noRot="1" noChangeAspect="1" noMove="1" noResize="1" noEditPoints="1" noAdjustHandles="1" noChangeArrowheads="1" noChangeShapeType="1" noTextEdit="1"/>
+          </p:cNvSpPr>
+          <p:nvPr>
+            <p:extLst>
+              <p:ext uri="{386F3935-93C4-4BCD-93E2-E3B085C9AB24}">
+                <p16:designElem xmlns:p16="http://schemas.microsoft.com/office/powerpoint/2015/main" val="1"/>
+              </p:ext>
+            </p:extLst>
+          </p:nvPr>
+        </p:nvSpPr>
+        <p:spPr>
+          <a:xfrm>
+            <a:off x="10088880" y="0"/>
+            <a:ext cx="2103120" cy="6858000"/>
+          </a:xfrm>
+          <a:prstGeom prst="rect">
+            <a:avLst/>
+          </a:prstGeom>
+          <a:solidFill>
+            <a:schemeClr val="accent1"/>
+          </a:solidFill>
+          <a:ln>
+            <a:noFill/>
+          </a:ln>
+        </p:spPr>
+        <p:style>
+          <a:lnRef idx="2">
+            <a:schemeClr val="accent1">
+              <a:shade val="50000"/>
+            </a:schemeClr>
+          </a:lnRef>
+          <a:fillRef idx="1">
+            <a:schemeClr val="accent1"/>
+          </a:fillRef>
+          <a:effectRef idx="0">
+            <a:schemeClr val="accent1"/>
+          </a:effectRef>
+          <a:fontRef idx="minor">
+            <a:schemeClr val="lt1"/>
+          </a:fontRef>
+        </p:style>
+        <p:txBody>
+          <a:bodyPr rtlCol="0" anchor="ctr"/>
+          <a:lstStyle/>
+          <a:p>
             <a:pPr algn="ctr"/>
             <a:endParaRPr lang="en-US"/>
+          </a:p>
+        </p:txBody>
+      </p:sp>
+      <p:sp>
+        <p:nvSpPr>
+          <p:cNvPr id="13" name="Oval 12">
+            <a:extLst>
+              <a:ext uri="{FF2B5EF4-FFF2-40B4-BE49-F238E27FC236}">
+                <a16:creationId xmlns:a16="http://schemas.microsoft.com/office/drawing/2014/main" id="{967D8EB6-EAE1-4F9C-B398-83321E287204}"/>
+              </a:ext>
+              <a:ext uri="{C183D7F6-B498-43B3-948B-1728B52AA6E4}">
+                <adec:decorative xmlns:adec="http://schemas.microsoft.com/office/drawing/2017/decorative" val="1"/>
+              </a:ext>
+            </a:extLst>
+          </p:cNvPr>
+          <p:cNvSpPr>
+            <a:spLocks noGrp="1" noRot="1" noChangeAspect="1" noMove="1" noResize="1" noEditPoints="1" noAdjustHandles="1" noChangeArrowheads="1" noChangeShapeType="1" noTextEdit="1"/>
+          </p:cNvSpPr>
+          <p:nvPr>
+            <p:extLst>
+              <p:ext uri="{386F3935-93C4-4BCD-93E2-E3B085C9AB24}">
+                <p16:designElem xmlns:p16="http://schemas.microsoft.com/office/powerpoint/2015/main" val="1"/>
+              </p:ext>
+            </p:extLst>
+          </p:nvPr>
+        </p:nvSpPr>
+        <p:spPr>
+          <a:xfrm>
+            <a:off x="8915400" y="2358913"/>
+            <a:ext cx="2140172" cy="2140172"/>
+          </a:xfrm>
+          <a:prstGeom prst="ellipse">
+            <a:avLst/>
+          </a:prstGeom>
+          <a:solidFill>
+            <a:srgbClr val="FFFFFF"/>
+          </a:solidFill>
+          <a:ln w="22225">
+            <a:solidFill>
+              <a:schemeClr val="accent1"/>
+            </a:solidFill>
+          </a:ln>
+        </p:spPr>
+        <p:style>
+          <a:lnRef idx="2">
+            <a:schemeClr val="accent1">
+              <a:shade val="50000"/>
+            </a:schemeClr>
+          </a:lnRef>
+          <a:fillRef idx="1">
+            <a:schemeClr val="accent1"/>
+          </a:fillRef>
+          <a:effectRef idx="0">
+            <a:schemeClr val="accent1"/>
+          </a:effectRef>
+          <a:fontRef idx="minor">
+            <a:schemeClr val="lt1"/>
+          </a:fontRef>
+        </p:style>
+        <p:txBody>
+          <a:bodyPr rtlCol="0" anchor="ctr"/>
+          <a:lstStyle/>
+          <a:p>
+            <a:pPr algn="ctr"/>
+            <a:endParaRPr lang="en-US"/>
+          </a:p>
+        </p:txBody>
+      </p:sp>
+      <p:pic>
+        <p:nvPicPr>
+          <p:cNvPr id="8" name="Graphic 7" descr="Checkmark">
+            <a:extLst>
+              <a:ext uri="{FF2B5EF4-FFF2-40B4-BE49-F238E27FC236}">
+                <a16:creationId xmlns:a16="http://schemas.microsoft.com/office/drawing/2014/main" id="{D5D6BEFD-0A47-4244-80BC-B5BDF7914B0B}"/>
+              </a:ext>
+            </a:extLst>
+          </p:cNvPr>
+          <p:cNvPicPr>
+            <a:picLocks noChangeAspect="1"/>
+          </p:cNvPicPr>
+          <p:nvPr/>
+        </p:nvPicPr>
+        <p:blipFill>
+          <a:blip r:embed="rId2">
+            <a:extLst>
+              <a:ext uri="{28A0092B-C50C-407E-A947-70E740481C1C}">
+                <a14:useLocalDpi xmlns:a14="http://schemas.microsoft.com/office/drawing/2010/main" val="0"/>
+              </a:ext>
+              <a:ext uri="{96DAC541-7B7A-43D3-8B79-37D633B846F1}">
+                <asvg:svgBlip xmlns:asvg="http://schemas.microsoft.com/office/drawing/2016/SVG/main" r:embed="rId3"/>
+              </a:ext>
+            </a:extLst>
+          </a:blip>
+          <a:stretch>
+            <a:fillRect/>
+          </a:stretch>
+        </p:blipFill>
+        <p:spPr>
+          <a:xfrm>
+            <a:off x="9413987" y="2857501"/>
+            <a:ext cx="1142998" cy="1142998"/>
+          </a:xfrm>
+          <a:prstGeom prst="rect">
+            <a:avLst/>
+          </a:prstGeom>
+        </p:spPr>
+      </p:pic>
+      <p:sp>
+        <p:nvSpPr>
+          <p:cNvPr id="4" name="Slide Number Placeholder 3">
+            <a:extLst>
+              <a:ext uri="{FF2B5EF4-FFF2-40B4-BE49-F238E27FC236}">
+                <a16:creationId xmlns:a16="http://schemas.microsoft.com/office/drawing/2014/main" id="{F08208EE-45EA-4E90-AEF3-BC9AD6113C09}"/>
+              </a:ext>
+            </a:extLst>
+          </p:cNvPr>
+          <p:cNvSpPr>
+            <a:spLocks noGrp="1"/>
+          </p:cNvSpPr>
+          <p:nvPr>
+            <p:ph type="sldNum" sz="quarter" idx="12"/>
+          </p:nvPr>
+        </p:nvSpPr>
+        <p:spPr>
+          <a:xfrm>
+            <a:off x="10341428" y="6356350"/>
+            <a:ext cx="1012371" cy="365125"/>
+          </a:xfrm>
+        </p:spPr>
+        <p:txBody>
+          <a:bodyPr>
+            <a:normAutofit/>
+          </a:bodyPr>
+          <a:lstStyle/>
+          <a:p>
+            <a:pPr>
+              <a:spcAft>
+                <a:spcPts val="600"/>
+              </a:spcAft>
+            </a:pPr>
+            <a:fld id="{3A98EE3D-8CD1-4C3F-BD1C-C98C9596463C}" type="slidenum">
+              <a:rPr lang="en-US">
+                <a:solidFill>
+                  <a:srgbClr val="FFFFFF"/>
+                </a:solidFill>
+              </a:rPr>
+              <a:pPr>
+                <a:spcAft>
+                  <a:spcPts val="600"/>
+                </a:spcAft>
+              </a:pPr>
+              <a:t>4</a:t>
+            </a:fld>
+            <a:endParaRPr lang="en-US">
+              <a:solidFill>
+                <a:srgbClr val="FFFFFF"/>
+              </a:solidFill>
+            </a:endParaRPr>
+          </a:p>
+        </p:txBody>
+      </p:sp>
+      <p:pic>
+        <p:nvPicPr>
+          <p:cNvPr id="9" name="Picture 8" descr="A screenshot of a cell phone&#10;&#10;Description automatically generated">
+            <a:extLst>
+              <a:ext uri="{FF2B5EF4-FFF2-40B4-BE49-F238E27FC236}">
+                <a16:creationId xmlns:a16="http://schemas.microsoft.com/office/drawing/2014/main" id="{6DA6B71E-CBC5-4AFE-9209-4DC473D87708}"/>
+              </a:ext>
+            </a:extLst>
+          </p:cNvPr>
+          <p:cNvPicPr>
+            <a:picLocks noChangeAspect="1"/>
+          </p:cNvPicPr>
+          <p:nvPr/>
+        </p:nvPicPr>
+        <p:blipFill>
+          <a:blip r:embed="rId4">
+            <a:extLst>
+              <a:ext uri="{28A0092B-C50C-407E-A947-70E740481C1C}">
+                <a14:useLocalDpi xmlns:a14="http://schemas.microsoft.com/office/drawing/2010/main" val="0"/>
+              </a:ext>
+            </a:extLst>
+          </a:blip>
+          <a:stretch>
+            <a:fillRect/>
+          </a:stretch>
+        </p:blipFill>
+        <p:spPr>
+          <a:xfrm>
+            <a:off x="128722" y="759139"/>
+            <a:ext cx="8663000" cy="5973457"/>
+          </a:xfrm>
+          <a:prstGeom prst="rect">
+            <a:avLst/>
+          </a:prstGeom>
+        </p:spPr>
+      </p:pic>
+      <p:pic>
+        <p:nvPicPr>
+          <p:cNvPr id="6" name="Content Placeholder 5" descr="A screenshot of a cell phone&#10;&#10;Description automatically generated">
+            <a:extLst>
+              <a:ext uri="{FF2B5EF4-FFF2-40B4-BE49-F238E27FC236}">
+                <a16:creationId xmlns:a16="http://schemas.microsoft.com/office/drawing/2014/main" id="{FC28397F-5379-456D-AAE9-A60CD49626E8}"/>
+              </a:ext>
+            </a:extLst>
+          </p:cNvPr>
+          <p:cNvPicPr>
+            <a:picLocks noGrp="1" noChangeAspect="1"/>
+          </p:cNvPicPr>
+          <p:nvPr>
+            <p:ph idx="1"/>
+          </p:nvPr>
+        </p:nvPicPr>
+        <p:blipFill>
+          <a:blip r:embed="rId5">
+            <a:extLst>
+              <a:ext uri="{28A0092B-C50C-407E-A947-70E740481C1C}">
+                <a14:useLocalDpi xmlns:a14="http://schemas.microsoft.com/office/drawing/2010/main" val="0"/>
+              </a:ext>
+            </a:extLst>
+          </a:blip>
+          <a:stretch>
+            <a:fillRect/>
+          </a:stretch>
+        </p:blipFill>
+        <p:spPr>
+          <a:xfrm>
+            <a:off x="6384654" y="887662"/>
+            <a:ext cx="2314898" cy="2400635"/>
+          </a:xfrm>
+        </p:spPr>
+      </p:pic>
+    </p:spTree>
+    <p:extLst>
+      <p:ext uri="{BB962C8B-B14F-4D97-AF65-F5344CB8AC3E}">
+        <p14:creationId xmlns:p14="http://schemas.microsoft.com/office/powerpoint/2010/main" val="1592160111"/>
+      </p:ext>
+    </p:extLst>
+  </p:cSld>
+  <p:clrMapOvr>
+    <a:masterClrMapping/>
+  </p:clrMapOvr>
+</p:sld>
+</file>
+
+<file path=ppt/slides/slide5.xml><?xml version="1.0" encoding="utf-8"?>
+<p:sld xmlns:a="http://schemas.openxmlformats.org/drawingml/2006/main" xmlns:r="http://schemas.openxmlformats.org/officeDocument/2006/relationships" xmlns:p="http://schemas.openxmlformats.org/presentationml/2006/main">
+  <p:cSld>
+    <p:spTree>
+      <p:nvGrpSpPr>
+        <p:cNvPr id="1" name=""/>
+        <p:cNvGrpSpPr/>
+        <p:nvPr/>
+      </p:nvGrpSpPr>
+      <p:grpSpPr>
+        <a:xfrm>
+          <a:off x="0" y="0"/>
+          <a:ext cx="0" cy="0"/>
+          <a:chOff x="0" y="0"/>
+          <a:chExt cx="0" cy="0"/>
+        </a:xfrm>
+      </p:grpSpPr>
+      <p:sp>
+        <p:nvSpPr>
+          <p:cNvPr id="2" name="Title 1">
+            <a:extLst>
+              <a:ext uri="{FF2B5EF4-FFF2-40B4-BE49-F238E27FC236}">
+                <a16:creationId xmlns:a16="http://schemas.microsoft.com/office/drawing/2014/main" id="{F981F06A-0678-483C-98A9-1D1BDC4DFDB8}"/>
+              </a:ext>
+            </a:extLst>
+          </p:cNvPr>
+          <p:cNvSpPr>
+            <a:spLocks noGrp="1"/>
+          </p:cNvSpPr>
+          <p:nvPr>
+            <p:ph type="title"/>
+          </p:nvPr>
+        </p:nvSpPr>
+        <p:spPr>
+          <a:xfrm>
+            <a:off x="60697" y="-88253"/>
+            <a:ext cx="10515600" cy="1131166"/>
+          </a:xfrm>
+        </p:spPr>
+        <p:txBody>
+          <a:bodyPr>
+            <a:normAutofit/>
+          </a:bodyPr>
+          <a:lstStyle/>
+          <a:p>
+            <a:r>
+              <a:rPr lang="en-US" sz="5400" b="1" dirty="0">
+                <a:solidFill>
+                  <a:srgbClr val="0070C0"/>
+                </a:solidFill>
+              </a:rPr>
+              <a:t>Contract</a:t>
+            </a:r>
+          </a:p>
+        </p:txBody>
+      </p:sp>
+      <p:sp>
+        <p:nvSpPr>
+          <p:cNvPr id="4" name="Slide Number Placeholder 3">
+            <a:extLst>
+              <a:ext uri="{FF2B5EF4-FFF2-40B4-BE49-F238E27FC236}">
+                <a16:creationId xmlns:a16="http://schemas.microsoft.com/office/drawing/2014/main" id="{DF0D9C0A-B178-47FD-B9EB-22A9BFFEC170}"/>
+              </a:ext>
+            </a:extLst>
+          </p:cNvPr>
+          <p:cNvSpPr>
+            <a:spLocks noGrp="1"/>
+          </p:cNvSpPr>
+          <p:nvPr>
+            <p:ph type="sldNum" sz="quarter" idx="12"/>
+          </p:nvPr>
+        </p:nvSpPr>
+        <p:spPr/>
+        <p:txBody>
+          <a:bodyPr/>
+          <a:lstStyle/>
+          <a:p>
+            <a:fld id="{3A98EE3D-8CD1-4C3F-BD1C-C98C9596463C}" type="slidenum">
+              <a:rPr lang="en-US" smtClean="0"/>
+              <a:t>5</a:t>
+            </a:fld>
+            <a:endParaRPr lang="en-US" dirty="0"/>
+          </a:p>
+        </p:txBody>
+      </p:sp>
+      <p:pic>
+        <p:nvPicPr>
+          <p:cNvPr id="12" name="Content Placeholder 11" descr="A close up of a logo&#10;&#10;Description automatically generated">
+            <a:extLst>
+              <a:ext uri="{FF2B5EF4-FFF2-40B4-BE49-F238E27FC236}">
+                <a16:creationId xmlns:a16="http://schemas.microsoft.com/office/drawing/2014/main" id="{982276F2-FFD2-40E4-8138-EA390E8BA1FE}"/>
+              </a:ext>
+            </a:extLst>
+          </p:cNvPr>
+          <p:cNvPicPr>
+            <a:picLocks noGrp="1" noChangeAspect="1"/>
+          </p:cNvPicPr>
+          <p:nvPr>
+            <p:ph idx="1"/>
+          </p:nvPr>
+        </p:nvPicPr>
+        <p:blipFill>
+          <a:blip r:embed="rId2">
+            <a:extLst>
+              <a:ext uri="{28A0092B-C50C-407E-A947-70E740481C1C}">
+                <a14:useLocalDpi xmlns:a14="http://schemas.microsoft.com/office/drawing/2010/main" val="0"/>
+              </a:ext>
+            </a:extLst>
+          </a:blip>
+          <a:stretch>
+            <a:fillRect/>
+          </a:stretch>
+        </p:blipFill>
+        <p:spPr>
+          <a:xfrm>
+            <a:off x="12939" y="803200"/>
+            <a:ext cx="3939101" cy="2471593"/>
+          </a:xfrm>
+        </p:spPr>
+      </p:pic>
+      <p:pic>
+        <p:nvPicPr>
+          <p:cNvPr id="14" name="Picture 13" descr="A picture containing device&#10;&#10;Description automatically generated">
+            <a:extLst>
+              <a:ext uri="{FF2B5EF4-FFF2-40B4-BE49-F238E27FC236}">
+                <a16:creationId xmlns:a16="http://schemas.microsoft.com/office/drawing/2014/main" id="{00BA1BA3-E7B7-46D1-A776-70C37CCB4958}"/>
+              </a:ext>
+            </a:extLst>
+          </p:cNvPr>
+          <p:cNvPicPr>
+            <a:picLocks noChangeAspect="1"/>
+          </p:cNvPicPr>
+          <p:nvPr/>
+        </p:nvPicPr>
+        <p:blipFill>
+          <a:blip r:embed="rId3">
+            <a:extLst>
+              <a:ext uri="{28A0092B-C50C-407E-A947-70E740481C1C}">
+                <a14:useLocalDpi xmlns:a14="http://schemas.microsoft.com/office/drawing/2010/main" val="0"/>
+              </a:ext>
+            </a:extLst>
+          </a:blip>
+          <a:stretch>
+            <a:fillRect/>
+          </a:stretch>
+        </p:blipFill>
+        <p:spPr>
+          <a:xfrm>
+            <a:off x="4153313" y="45982"/>
+            <a:ext cx="2838842" cy="2334574"/>
+          </a:xfrm>
+          <a:prstGeom prst="rect">
+            <a:avLst/>
+          </a:prstGeom>
+        </p:spPr>
+      </p:pic>
+      <p:cxnSp>
+        <p:nvCxnSpPr>
+          <p:cNvPr id="16" name="Straight Arrow Connector 15">
+            <a:extLst>
+              <a:ext uri="{FF2B5EF4-FFF2-40B4-BE49-F238E27FC236}">
+                <a16:creationId xmlns:a16="http://schemas.microsoft.com/office/drawing/2014/main" id="{C59174AF-66F8-4E58-A1AD-1639A5747BF3}"/>
+              </a:ext>
+            </a:extLst>
+          </p:cNvPr>
+          <p:cNvCxnSpPr>
+            <a:cxnSpLocks/>
+          </p:cNvCxnSpPr>
+          <p:nvPr/>
+        </p:nvCxnSpPr>
+        <p:spPr>
+          <a:xfrm flipV="1">
+            <a:off x="1890701" y="1499994"/>
+            <a:ext cx="2420042" cy="1227587"/>
+          </a:xfrm>
+          <a:prstGeom prst="straightConnector1">
+            <a:avLst/>
+          </a:prstGeom>
+          <a:ln w="57150">
+            <a:solidFill>
+              <a:schemeClr val="tx1"/>
+            </a:solidFill>
+            <a:tailEnd type="triangle"/>
+          </a:ln>
+        </p:spPr>
+        <p:style>
+          <a:lnRef idx="1">
+            <a:schemeClr val="dk1"/>
+          </a:lnRef>
+          <a:fillRef idx="0">
+            <a:schemeClr val="dk1"/>
+          </a:fillRef>
+          <a:effectRef idx="0">
+            <a:schemeClr val="dk1"/>
+          </a:effectRef>
+          <a:fontRef idx="minor">
+            <a:schemeClr val="tx1"/>
+          </a:fontRef>
+        </p:style>
+      </p:cxnSp>
+      <p:pic>
+        <p:nvPicPr>
+          <p:cNvPr id="18" name="Picture 17" descr="A picture containing device&#10;&#10;Description automatically generated">
+            <a:extLst>
+              <a:ext uri="{FF2B5EF4-FFF2-40B4-BE49-F238E27FC236}">
+                <a16:creationId xmlns:a16="http://schemas.microsoft.com/office/drawing/2014/main" id="{AFE756F0-3E27-429E-85CB-DAC22BABFBDA}"/>
+              </a:ext>
+            </a:extLst>
+          </p:cNvPr>
+          <p:cNvPicPr>
+            <a:picLocks noChangeAspect="1"/>
+          </p:cNvPicPr>
+          <p:nvPr/>
+        </p:nvPicPr>
+        <p:blipFill>
+          <a:blip r:embed="rId4">
+            <a:extLst>
+              <a:ext uri="{28A0092B-C50C-407E-A947-70E740481C1C}">
+                <a14:useLocalDpi xmlns:a14="http://schemas.microsoft.com/office/drawing/2010/main" val="0"/>
+              </a:ext>
+            </a:extLst>
+          </a:blip>
+          <a:stretch>
+            <a:fillRect/>
+          </a:stretch>
+        </p:blipFill>
+        <p:spPr>
+          <a:xfrm>
+            <a:off x="6995092" y="47052"/>
+            <a:ext cx="2838842" cy="2345131"/>
+          </a:xfrm>
+          <a:prstGeom prst="rect">
+            <a:avLst/>
+          </a:prstGeom>
+        </p:spPr>
+      </p:pic>
+      <p:sp>
+        <p:nvSpPr>
+          <p:cNvPr id="22" name="TextBox 21">
+            <a:extLst>
+              <a:ext uri="{FF2B5EF4-FFF2-40B4-BE49-F238E27FC236}">
+                <a16:creationId xmlns:a16="http://schemas.microsoft.com/office/drawing/2014/main" id="{AC846B71-556E-4812-ACAB-93FD805A8411}"/>
+              </a:ext>
+            </a:extLst>
+          </p:cNvPr>
+          <p:cNvSpPr txBox="1"/>
+          <p:nvPr/>
+        </p:nvSpPr>
+        <p:spPr>
+          <a:xfrm>
+            <a:off x="5151087" y="1311624"/>
+            <a:ext cx="932411" cy="400110"/>
+          </a:xfrm>
+          <a:prstGeom prst="rect">
+            <a:avLst/>
+          </a:prstGeom>
+          <a:noFill/>
+        </p:spPr>
+        <p:txBody>
+          <a:bodyPr wrap="square" rtlCol="0">
+            <a:spAutoFit/>
+          </a:bodyPr>
+          <a:lstStyle/>
+          <a:p>
+            <a:r>
+              <a:rPr lang="en-US" sz="2000" b="1" dirty="0">
+                <a:solidFill>
+                  <a:schemeClr val="bg1"/>
+                </a:solidFill>
+              </a:rPr>
+              <a:t>Young</a:t>
+            </a:r>
+          </a:p>
+        </p:txBody>
+      </p:sp>
+      <p:sp>
+        <p:nvSpPr>
+          <p:cNvPr id="23" name="TextBox 22">
+            <a:extLst>
+              <a:ext uri="{FF2B5EF4-FFF2-40B4-BE49-F238E27FC236}">
+                <a16:creationId xmlns:a16="http://schemas.microsoft.com/office/drawing/2014/main" id="{AA171161-10F3-4269-98AB-8F3A4C67C771}"/>
+              </a:ext>
+            </a:extLst>
+          </p:cNvPr>
+          <p:cNvSpPr txBox="1"/>
+          <p:nvPr/>
+        </p:nvSpPr>
+        <p:spPr>
+          <a:xfrm>
+            <a:off x="7730713" y="1284738"/>
+            <a:ext cx="932411" cy="400110"/>
+          </a:xfrm>
+          <a:prstGeom prst="rect">
+            <a:avLst/>
+          </a:prstGeom>
+          <a:noFill/>
+        </p:spPr>
+        <p:txBody>
+          <a:bodyPr wrap="square" rtlCol="0">
+            <a:spAutoFit/>
+          </a:bodyPr>
+          <a:lstStyle/>
+          <a:p>
+            <a:r>
+              <a:rPr lang="en-US" sz="2000" b="1" dirty="0">
+                <a:solidFill>
+                  <a:schemeClr val="bg1"/>
+                </a:solidFill>
+              </a:rPr>
+              <a:t>single</a:t>
+            </a:r>
+          </a:p>
+        </p:txBody>
+      </p:sp>
+      <p:pic>
+        <p:nvPicPr>
+          <p:cNvPr id="25" name="Picture 24" descr="A picture containing device&#10;&#10;Description automatically generated">
+            <a:extLst>
+              <a:ext uri="{FF2B5EF4-FFF2-40B4-BE49-F238E27FC236}">
+                <a16:creationId xmlns:a16="http://schemas.microsoft.com/office/drawing/2014/main" id="{8AAA0DE7-0205-4D96-89DA-04F8E6148C21}"/>
+              </a:ext>
+            </a:extLst>
+          </p:cNvPr>
+          <p:cNvPicPr>
+            <a:picLocks noChangeAspect="1"/>
+          </p:cNvPicPr>
+          <p:nvPr/>
+        </p:nvPicPr>
+        <p:blipFill>
+          <a:blip r:embed="rId5">
+            <a:extLst>
+              <a:ext uri="{28A0092B-C50C-407E-A947-70E740481C1C}">
+                <a14:useLocalDpi xmlns:a14="http://schemas.microsoft.com/office/drawing/2010/main" val="0"/>
+              </a:ext>
+            </a:extLst>
+          </a:blip>
+          <a:stretch>
+            <a:fillRect/>
+          </a:stretch>
+        </p:blipFill>
+        <p:spPr>
+          <a:xfrm>
+            <a:off x="9300329" y="45982"/>
+            <a:ext cx="2830974" cy="2345131"/>
+          </a:xfrm>
+          <a:prstGeom prst="rect">
+            <a:avLst/>
+          </a:prstGeom>
+        </p:spPr>
+      </p:pic>
+      <p:pic>
+        <p:nvPicPr>
+          <p:cNvPr id="30" name="Picture 29" descr="A picture containing device&#10;&#10;Description automatically generated">
+            <a:extLst>
+              <a:ext uri="{FF2B5EF4-FFF2-40B4-BE49-F238E27FC236}">
+                <a16:creationId xmlns:a16="http://schemas.microsoft.com/office/drawing/2014/main" id="{3DFDAB6F-1AF5-4D2B-9DC7-223AB6286DFE}"/>
+              </a:ext>
+            </a:extLst>
+          </p:cNvPr>
+          <p:cNvPicPr>
+            <a:picLocks noChangeAspect="1"/>
+          </p:cNvPicPr>
+          <p:nvPr/>
+        </p:nvPicPr>
+        <p:blipFill>
+          <a:blip r:embed="rId6">
+            <a:extLst>
+              <a:ext uri="{28A0092B-C50C-407E-A947-70E740481C1C}">
+                <a14:useLocalDpi xmlns:a14="http://schemas.microsoft.com/office/drawing/2010/main" val="0"/>
+              </a:ext>
+            </a:extLst>
+          </a:blip>
+          <a:stretch>
+            <a:fillRect/>
+          </a:stretch>
+        </p:blipFill>
+        <p:spPr>
+          <a:xfrm>
+            <a:off x="2485904" y="2749357"/>
+            <a:ext cx="2743200" cy="2015770"/>
+          </a:xfrm>
+          <a:prstGeom prst="rect">
+            <a:avLst/>
+          </a:prstGeom>
+        </p:spPr>
+      </p:pic>
+      <p:pic>
+        <p:nvPicPr>
+          <p:cNvPr id="32" name="Picture 31" descr="A screenshot of a cell phone&#10;&#10;Description automatically generated">
+            <a:extLst>
+              <a:ext uri="{FF2B5EF4-FFF2-40B4-BE49-F238E27FC236}">
+                <a16:creationId xmlns:a16="http://schemas.microsoft.com/office/drawing/2014/main" id="{23BB36D6-7099-42A8-8B1D-37B2BB4698CD}"/>
+              </a:ext>
+            </a:extLst>
+          </p:cNvPr>
+          <p:cNvPicPr>
+            <a:picLocks noChangeAspect="1"/>
+          </p:cNvPicPr>
+          <p:nvPr/>
+        </p:nvPicPr>
+        <p:blipFill>
+          <a:blip r:embed="rId7">
+            <a:extLst>
+              <a:ext uri="{28A0092B-C50C-407E-A947-70E740481C1C}">
+                <a14:useLocalDpi xmlns:a14="http://schemas.microsoft.com/office/drawing/2010/main" val="0"/>
+              </a:ext>
+            </a:extLst>
+          </a:blip>
+          <a:stretch>
+            <a:fillRect/>
+          </a:stretch>
+        </p:blipFill>
+        <p:spPr>
+          <a:xfrm>
+            <a:off x="1000289" y="4777820"/>
+            <a:ext cx="2857215" cy="2015770"/>
+          </a:xfrm>
+          <a:prstGeom prst="rect">
+            <a:avLst/>
+          </a:prstGeom>
+        </p:spPr>
+      </p:pic>
+      <p:pic>
+        <p:nvPicPr>
+          <p:cNvPr id="38" name="Picture 37" descr="A picture containing device&#10;&#10;Description automatically generated">
+            <a:extLst>
+              <a:ext uri="{FF2B5EF4-FFF2-40B4-BE49-F238E27FC236}">
+                <a16:creationId xmlns:a16="http://schemas.microsoft.com/office/drawing/2014/main" id="{2DF63989-5EE7-4BF5-B444-4EB9F8EEA61E}"/>
+              </a:ext>
+            </a:extLst>
+          </p:cNvPr>
+          <p:cNvPicPr>
+            <a:picLocks noChangeAspect="1"/>
+          </p:cNvPicPr>
+          <p:nvPr/>
+        </p:nvPicPr>
+        <p:blipFill>
+          <a:blip r:embed="rId8">
+            <a:extLst>
+              <a:ext uri="{28A0092B-C50C-407E-A947-70E740481C1C}">
+                <a14:useLocalDpi xmlns:a14="http://schemas.microsoft.com/office/drawing/2010/main" val="0"/>
+              </a:ext>
+            </a:extLst>
+          </a:blip>
+          <a:stretch>
+            <a:fillRect/>
+          </a:stretch>
+        </p:blipFill>
+        <p:spPr>
+          <a:xfrm>
+            <a:off x="3857504" y="4776754"/>
+            <a:ext cx="2901196" cy="2015766"/>
+          </a:xfrm>
+          <a:prstGeom prst="rect">
+            <a:avLst/>
+          </a:prstGeom>
+        </p:spPr>
+      </p:pic>
+      <p:pic>
+        <p:nvPicPr>
+          <p:cNvPr id="50" name="Picture 49" descr="A screenshot of a cell phone&#10;&#10;Description automatically generated">
+            <a:extLst>
+              <a:ext uri="{FF2B5EF4-FFF2-40B4-BE49-F238E27FC236}">
+                <a16:creationId xmlns:a16="http://schemas.microsoft.com/office/drawing/2014/main" id="{B28750BF-D2C9-4B64-9C60-27283C620AE2}"/>
+              </a:ext>
+            </a:extLst>
+          </p:cNvPr>
+          <p:cNvPicPr>
+            <a:picLocks noChangeAspect="1"/>
+          </p:cNvPicPr>
+          <p:nvPr/>
+        </p:nvPicPr>
+        <p:blipFill rotWithShape="1">
+          <a:blip r:embed="rId9">
+            <a:extLst>
+              <a:ext uri="{28A0092B-C50C-407E-A947-70E740481C1C}">
+                <a14:useLocalDpi xmlns:a14="http://schemas.microsoft.com/office/drawing/2010/main" val="0"/>
+              </a:ext>
+            </a:extLst>
+          </a:blip>
+          <a:srcRect t="6449"/>
+          <a:stretch/>
+        </p:blipFill>
+        <p:spPr>
+          <a:xfrm>
+            <a:off x="6842062" y="2863780"/>
+            <a:ext cx="5337000" cy="3994221"/>
+          </a:xfrm>
+          <a:prstGeom prst="rect">
+            <a:avLst/>
+          </a:prstGeom>
+        </p:spPr>
+      </p:pic>
+      <p:cxnSp>
+        <p:nvCxnSpPr>
+          <p:cNvPr id="51" name="Straight Arrow Connector 50">
+            <a:extLst>
+              <a:ext uri="{FF2B5EF4-FFF2-40B4-BE49-F238E27FC236}">
+                <a16:creationId xmlns:a16="http://schemas.microsoft.com/office/drawing/2014/main" id="{B7271E30-3F76-44EA-A102-436AC494BF4B}"/>
+              </a:ext>
+            </a:extLst>
+          </p:cNvPr>
+          <p:cNvCxnSpPr>
+            <a:cxnSpLocks/>
+          </p:cNvCxnSpPr>
+          <p:nvPr/>
+        </p:nvCxnSpPr>
+        <p:spPr>
+          <a:xfrm>
+            <a:off x="1890701" y="2749357"/>
+            <a:ext cx="952212" cy="1134226"/>
+          </a:xfrm>
+          <a:prstGeom prst="straightConnector1">
+            <a:avLst/>
+          </a:prstGeom>
+          <a:ln w="57150">
+            <a:solidFill>
+              <a:schemeClr val="tx1"/>
+            </a:solidFill>
+            <a:tailEnd type="triangle"/>
+          </a:ln>
+        </p:spPr>
+        <p:style>
+          <a:lnRef idx="1">
+            <a:schemeClr val="dk1"/>
+          </a:lnRef>
+          <a:fillRef idx="0">
+            <a:schemeClr val="dk1"/>
+          </a:fillRef>
+          <a:effectRef idx="0">
+            <a:schemeClr val="dk1"/>
+          </a:effectRef>
+          <a:fontRef idx="minor">
+            <a:schemeClr val="tx1"/>
+          </a:fontRef>
+        </p:style>
+      </p:cxnSp>
+    </p:spTree>
+    <p:extLst>
+      <p:ext uri="{BB962C8B-B14F-4D97-AF65-F5344CB8AC3E}">
+        <p14:creationId xmlns:p14="http://schemas.microsoft.com/office/powerpoint/2010/main" val="2140486883"/>
+      </p:ext>
+    </p:extLst>
+  </p:cSld>
+  <p:clrMapOvr>
+    <a:masterClrMapping/>
+  </p:clrMapOvr>
+</p:sld>
+</file>
+
+<file path=ppt/slides/slide6.xml><?xml version="1.0" encoding="utf-8"?>
+<p:sld xmlns:a="http://schemas.openxmlformats.org/drawingml/2006/main" xmlns:r="http://schemas.openxmlformats.org/officeDocument/2006/relationships" xmlns:p="http://schemas.openxmlformats.org/presentationml/2006/main">
+  <p:cSld>
+    <p:spTree>
+      <p:nvGrpSpPr>
+        <p:cNvPr id="1" name=""/>
+        <p:cNvGrpSpPr/>
+        <p:nvPr/>
+      </p:nvGrpSpPr>
+      <p:grpSpPr>
+        <a:xfrm>
+          <a:off x="0" y="0"/>
+          <a:ext cx="0" cy="0"/>
+          <a:chOff x="0" y="0"/>
+          <a:chExt cx="0" cy="0"/>
+        </a:xfrm>
+      </p:grpSpPr>
+      <p:sp>
+        <p:nvSpPr>
+          <p:cNvPr id="2" name="Title 1">
+            <a:extLst>
+              <a:ext uri="{FF2B5EF4-FFF2-40B4-BE49-F238E27FC236}">
+                <a16:creationId xmlns:a16="http://schemas.microsoft.com/office/drawing/2014/main" id="{1465B1B4-6568-4879-9F95-4E5EEAF89D89}"/>
+              </a:ext>
+            </a:extLst>
+          </p:cNvPr>
+          <p:cNvSpPr>
+            <a:spLocks noGrp="1"/>
+          </p:cNvSpPr>
+          <p:nvPr>
+            <p:ph type="title"/>
+          </p:nvPr>
+        </p:nvSpPr>
+        <p:spPr/>
+        <p:txBody>
+          <a:bodyPr/>
+          <a:lstStyle/>
+          <a:p>
+            <a:r>
+              <a:rPr lang="en-US" dirty="0"/>
+              <a:t>Tenure and monthly charge</a:t>
+            </a:r>
+          </a:p>
+        </p:txBody>
+      </p:sp>
+      <p:pic>
+        <p:nvPicPr>
+          <p:cNvPr id="6" name="Content Placeholder 5" descr="A screenshot of a cell phone&#10;&#10;Description automatically generated">
+            <a:extLst>
+              <a:ext uri="{FF2B5EF4-FFF2-40B4-BE49-F238E27FC236}">
+                <a16:creationId xmlns:a16="http://schemas.microsoft.com/office/drawing/2014/main" id="{2A11570B-87BF-4C65-AF4F-7338888F520F}"/>
+              </a:ext>
+            </a:extLst>
+          </p:cNvPr>
+          <p:cNvPicPr>
+            <a:picLocks noGrp="1" noChangeAspect="1"/>
+          </p:cNvPicPr>
+          <p:nvPr>
+            <p:ph idx="1"/>
+          </p:nvPr>
+        </p:nvPicPr>
+        <p:blipFill rotWithShape="1">
+          <a:blip r:embed="rId2">
+            <a:extLst>
+              <a:ext uri="{28A0092B-C50C-407E-A947-70E740481C1C}">
+                <a14:useLocalDpi xmlns:a14="http://schemas.microsoft.com/office/drawing/2010/main" val="0"/>
+              </a:ext>
+            </a:extLst>
+          </a:blip>
+          <a:srcRect l="8061" t="5168" r="56003"/>
+          <a:stretch/>
+        </p:blipFill>
+        <p:spPr>
+          <a:xfrm>
+            <a:off x="218209" y="1690688"/>
+            <a:ext cx="5039591" cy="3799701"/>
+          </a:xfrm>
+        </p:spPr>
+      </p:pic>
+      <p:sp>
+        <p:nvSpPr>
+          <p:cNvPr id="4" name="Slide Number Placeholder 3">
+            <a:extLst>
+              <a:ext uri="{FF2B5EF4-FFF2-40B4-BE49-F238E27FC236}">
+                <a16:creationId xmlns:a16="http://schemas.microsoft.com/office/drawing/2014/main" id="{DC5C8868-2314-41C0-A05B-86E04729CD00}"/>
+              </a:ext>
+            </a:extLst>
+          </p:cNvPr>
+          <p:cNvSpPr>
+            <a:spLocks noGrp="1"/>
+          </p:cNvSpPr>
+          <p:nvPr>
+            <p:ph type="sldNum" sz="quarter" idx="12"/>
+          </p:nvPr>
+        </p:nvSpPr>
+        <p:spPr/>
+        <p:txBody>
+          <a:bodyPr/>
+          <a:lstStyle/>
+          <a:p>
+            <a:fld id="{3A98EE3D-8CD1-4C3F-BD1C-C98C9596463C}" type="slidenum">
+              <a:rPr lang="en-US" smtClean="0"/>
+              <a:t>6</a:t>
+            </a:fld>
+            <a:endParaRPr lang="en-US" dirty="0"/>
+          </a:p>
+        </p:txBody>
+      </p:sp>
+      <p:pic>
+        <p:nvPicPr>
+          <p:cNvPr id="8" name="Picture 7" descr="A screenshot of a cell phone&#10;&#10;Description automatically generated">
+            <a:extLst>
+              <a:ext uri="{FF2B5EF4-FFF2-40B4-BE49-F238E27FC236}">
+                <a16:creationId xmlns:a16="http://schemas.microsoft.com/office/drawing/2014/main" id="{65FDE4FA-599A-475A-A70D-9A7190241911}"/>
+              </a:ext>
+            </a:extLst>
+          </p:cNvPr>
+          <p:cNvPicPr>
+            <a:picLocks noChangeAspect="1"/>
+          </p:cNvPicPr>
+          <p:nvPr/>
+        </p:nvPicPr>
+        <p:blipFill rotWithShape="1">
+          <a:blip r:embed="rId2">
+            <a:extLst>
+              <a:ext uri="{28A0092B-C50C-407E-A947-70E740481C1C}">
+                <a14:useLocalDpi xmlns:a14="http://schemas.microsoft.com/office/drawing/2010/main" val="0"/>
+              </a:ext>
+            </a:extLst>
+          </a:blip>
+          <a:srcRect l="53949"/>
+          <a:stretch/>
+        </p:blipFill>
+        <p:spPr>
+          <a:xfrm>
+            <a:off x="5767163" y="1504239"/>
+            <a:ext cx="6424837" cy="3986150"/>
+          </a:xfrm>
+          <a:prstGeom prst="rect">
+            <a:avLst/>
+          </a:prstGeom>
+        </p:spPr>
+      </p:pic>
+    </p:spTree>
+    <p:extLst>
+      <p:ext uri="{BB962C8B-B14F-4D97-AF65-F5344CB8AC3E}">
+        <p14:creationId xmlns:p14="http://schemas.microsoft.com/office/powerpoint/2010/main" val="2066412501"/>
+      </p:ext>
+    </p:extLst>
+  </p:cSld>
+  <p:clrMapOvr>
+    <a:masterClrMapping/>
+  </p:clrMapOvr>
+</p:sld>
+</file>
+
+<file path=ppt/slides/slide7.xml><?xml version="1.0" encoding="utf-8"?>
+<p:sld xmlns:a="http://schemas.openxmlformats.org/drawingml/2006/main" xmlns:r="http://schemas.openxmlformats.org/officeDocument/2006/relationships" xmlns:p="http://schemas.openxmlformats.org/presentationml/2006/main">
+  <p:cSld>
+    <p:spTree>
+      <p:nvGrpSpPr>
+        <p:cNvPr id="1" name=""/>
+        <p:cNvGrpSpPr/>
+        <p:nvPr/>
+      </p:nvGrpSpPr>
+      <p:grpSpPr>
+        <a:xfrm>
+          <a:off x="0" y="0"/>
+          <a:ext cx="0" cy="0"/>
+          <a:chOff x="0" y="0"/>
+          <a:chExt cx="0" cy="0"/>
+        </a:xfrm>
+      </p:grpSpPr>
+      <p:sp>
+        <p:nvSpPr>
+          <p:cNvPr id="2" name="Title 1">
+            <a:extLst>
+              <a:ext uri="{FF2B5EF4-FFF2-40B4-BE49-F238E27FC236}">
+                <a16:creationId xmlns:a16="http://schemas.microsoft.com/office/drawing/2014/main" id="{71D42FAD-B3CF-4DCE-90A8-43E21414C7F5}"/>
+              </a:ext>
+            </a:extLst>
+          </p:cNvPr>
+          <p:cNvSpPr>
+            <a:spLocks noGrp="1"/>
+          </p:cNvSpPr>
+          <p:nvPr>
+            <p:ph type="title"/>
+          </p:nvPr>
+        </p:nvSpPr>
+        <p:spPr>
+          <a:xfrm>
+            <a:off x="838200" y="0"/>
+            <a:ext cx="10515600" cy="951209"/>
+          </a:xfrm>
+        </p:spPr>
+        <p:txBody>
+          <a:bodyPr>
+            <a:normAutofit/>
+          </a:bodyPr>
+          <a:lstStyle/>
+          <a:p>
+            <a:r>
+              <a:rPr lang="en-US" sz="5400" b="1" dirty="0">
+                <a:solidFill>
+                  <a:srgbClr val="0070C0"/>
+                </a:solidFill>
+              </a:rPr>
+              <a:t>Conclusion and recommendations</a:t>
+            </a:r>
+          </a:p>
+        </p:txBody>
+      </p:sp>
+      <p:sp>
+        <p:nvSpPr>
+          <p:cNvPr id="3" name="Content Placeholder 2">
+            <a:extLst>
+              <a:ext uri="{FF2B5EF4-FFF2-40B4-BE49-F238E27FC236}">
+                <a16:creationId xmlns:a16="http://schemas.microsoft.com/office/drawing/2014/main" id="{0F6F89E1-5886-4E27-AA0A-E128B2C63B73}"/>
+              </a:ext>
+            </a:extLst>
+          </p:cNvPr>
+          <p:cNvSpPr>
+            <a:spLocks noGrp="1"/>
+          </p:cNvSpPr>
+          <p:nvPr>
+            <p:ph idx="1"/>
+          </p:nvPr>
+        </p:nvSpPr>
+        <p:spPr>
+          <a:xfrm>
+            <a:off x="301451" y="1065125"/>
+            <a:ext cx="11726426" cy="5792875"/>
+          </a:xfrm>
+        </p:spPr>
+        <p:txBody>
+          <a:bodyPr/>
+          <a:lstStyle/>
+          <a:p>
+            <a:r>
+              <a:rPr lang="en-US" dirty="0"/>
+              <a:t>Random Forrest was the best model for Churn dataset</a:t>
+            </a:r>
+          </a:p>
+          <a:p>
+            <a:r>
+              <a:rPr lang="en-US" dirty="0"/>
+              <a:t>Top important features: Contract, Online Security, Tech Support, tenure, Monthly Charges and Payment Method</a:t>
+            </a:r>
+          </a:p>
+          <a:p>
+            <a:r>
+              <a:rPr lang="en-US" dirty="0"/>
+              <a:t>Month-to-month contracts are the most vulnerable. These are mostly young and single customers.  Most have expensive </a:t>
+            </a:r>
+            <a:r>
+              <a:rPr lang="en-US" dirty="0" err="1"/>
+              <a:t>Fiber_optics</a:t>
+            </a:r>
+            <a:r>
+              <a:rPr lang="en-US" dirty="0"/>
+              <a:t> service. </a:t>
+            </a:r>
+          </a:p>
+          <a:p>
+            <a:pPr marL="0" indent="0">
+              <a:buNone/>
+            </a:pPr>
+            <a:r>
+              <a:rPr lang="en-US" dirty="0"/>
+              <a:t>Recommendations: </a:t>
+            </a:r>
+          </a:p>
+          <a:p>
+            <a:pPr marL="571500" indent="-571500">
+              <a:buFont typeface="+mj-lt"/>
+              <a:buAutoNum type="romanLcPeriod"/>
+            </a:pPr>
+            <a:r>
+              <a:rPr lang="en-US" dirty="0"/>
+              <a:t>Target demography = young;  Target technology = Fiber Optics</a:t>
+            </a:r>
+          </a:p>
+          <a:p>
+            <a:pPr marL="571500" indent="-571500">
+              <a:buFont typeface="+mj-lt"/>
+              <a:buAutoNum type="romanLcPeriod"/>
+            </a:pPr>
+            <a:r>
+              <a:rPr lang="en-US" dirty="0"/>
+              <a:t>Provide services (for young) such as internet security, device protection,  tech support at an economical price tide to two-year contract. </a:t>
+            </a:r>
+          </a:p>
+          <a:p>
+            <a:pPr marL="571500" indent="-571500">
+              <a:buFont typeface="+mj-lt"/>
+              <a:buAutoNum type="romanLcPeriod"/>
+            </a:pPr>
+            <a:r>
+              <a:rPr lang="en-US" dirty="0"/>
+              <a:t>Mind the quality and the price of the Fiber Optics services</a:t>
+            </a:r>
+          </a:p>
+          <a:p>
+            <a:pPr marL="571500" indent="-571500">
+              <a:buFont typeface="+mj-lt"/>
+              <a:buAutoNum type="romanLcPeriod"/>
+            </a:pPr>
+            <a:r>
+              <a:rPr lang="en-US" dirty="0"/>
+              <a:t>Provide easy and cheap DSL options for customers unsatisfied with </a:t>
+            </a:r>
+            <a:r>
+              <a:rPr lang="en-US" dirty="0" err="1"/>
+              <a:t>Fiberoptics</a:t>
+            </a:r>
+            <a:endParaRPr lang="en-US" dirty="0"/>
+          </a:p>
+        </p:txBody>
+      </p:sp>
+      <p:sp>
+        <p:nvSpPr>
+          <p:cNvPr id="4" name="Slide Number Placeholder 3">
+            <a:extLst>
+              <a:ext uri="{FF2B5EF4-FFF2-40B4-BE49-F238E27FC236}">
+                <a16:creationId xmlns:a16="http://schemas.microsoft.com/office/drawing/2014/main" id="{A5B258B6-D089-4C15-B380-A6481CA672A6}"/>
+              </a:ext>
+            </a:extLst>
+          </p:cNvPr>
+          <p:cNvSpPr>
+            <a:spLocks noGrp="1"/>
+          </p:cNvSpPr>
+          <p:nvPr>
+            <p:ph type="sldNum" sz="quarter" idx="12"/>
+          </p:nvPr>
+        </p:nvSpPr>
+        <p:spPr/>
+        <p:txBody>
+          <a:bodyPr/>
+          <a:lstStyle/>
+          <a:p>
+            <a:fld id="{3A98EE3D-8CD1-4C3F-BD1C-C98C9596463C}" type="slidenum">
+              <a:rPr lang="en-US" smtClean="0"/>
+              <a:t>7</a:t>
+            </a:fld>
+            <a:endParaRPr lang="en-US" dirty="0"/>
+          </a:p>
+        </p:txBody>
+      </p:sp>
+    </p:spTree>
+    <p:extLst>
+      <p:ext uri="{BB962C8B-B14F-4D97-AF65-F5344CB8AC3E}">
+        <p14:creationId xmlns:p14="http://schemas.microsoft.com/office/powerpoint/2010/main" val="383340038"/>
+      </p:ext>
+    </p:extLst>
+  </p:cSld>
+  <p:clrMapOvr>
+    <a:masterClrMapping/>
+  </p:clrMapOvr>
+</p:sld>
+</file>
+
+<file path=ppt/slides/slide8.xml><?xml version="1.0" encoding="utf-8"?>
+<p:sld xmlns:a="http://schemas.openxmlformats.org/drawingml/2006/main" xmlns:r="http://schemas.openxmlformats.org/officeDocument/2006/relationships" xmlns:p="http://schemas.openxmlformats.org/presentationml/2006/main">
+  <p:cSld>
+    <p:spTree>
+      <p:nvGrpSpPr>
+        <p:cNvPr id="1" name=""/>
+        <p:cNvGrpSpPr/>
+        <p:nvPr/>
+      </p:nvGrpSpPr>
+      <p:grpSpPr>
+        <a:xfrm>
+          <a:off x="0" y="0"/>
+          <a:ext cx="0" cy="0"/>
+          <a:chOff x="0" y="0"/>
+          <a:chExt cx="0" cy="0"/>
+        </a:xfrm>
+      </p:grpSpPr>
+      <p:sp>
+        <p:nvSpPr>
+          <p:cNvPr id="2" name="Title 1">
+            <a:extLst>
+              <a:ext uri="{FF2B5EF4-FFF2-40B4-BE49-F238E27FC236}">
+                <a16:creationId xmlns:a16="http://schemas.microsoft.com/office/drawing/2014/main" id="{B3CDCC94-877F-4F76-A5D4-8E4CC1757FDE}"/>
+              </a:ext>
+            </a:extLst>
+          </p:cNvPr>
+          <p:cNvSpPr>
+            <a:spLocks noGrp="1"/>
+          </p:cNvSpPr>
+          <p:nvPr>
+            <p:ph type="title"/>
+          </p:nvPr>
+        </p:nvSpPr>
+        <p:spPr/>
+        <p:txBody>
+          <a:bodyPr/>
+          <a:lstStyle/>
+          <a:p>
+            <a:r>
+              <a:rPr lang="en-US" dirty="0"/>
+              <a:t>Future work</a:t>
+            </a:r>
+          </a:p>
+        </p:txBody>
+      </p:sp>
+      <p:sp>
+        <p:nvSpPr>
+          <p:cNvPr id="3" name="Content Placeholder 2">
+            <a:extLst>
+              <a:ext uri="{FF2B5EF4-FFF2-40B4-BE49-F238E27FC236}">
+                <a16:creationId xmlns:a16="http://schemas.microsoft.com/office/drawing/2014/main" id="{BC310135-82E1-43B7-A981-D94236BE57F8}"/>
+              </a:ext>
+            </a:extLst>
+          </p:cNvPr>
+          <p:cNvSpPr>
+            <a:spLocks noGrp="1"/>
+          </p:cNvSpPr>
+          <p:nvPr>
+            <p:ph idx="1"/>
+          </p:nvPr>
+        </p:nvSpPr>
+        <p:spPr>
+          <a:xfrm>
+            <a:off x="838200" y="1436914"/>
+            <a:ext cx="10515600" cy="4919436"/>
+          </a:xfrm>
+        </p:spPr>
+        <p:txBody>
+          <a:bodyPr/>
+          <a:lstStyle/>
+          <a:p>
+            <a:r>
+              <a:rPr lang="en-US" dirty="0"/>
+              <a:t>More thorough dataset with many other important features such as income, locality, demography, educational background….etc. </a:t>
+            </a:r>
+          </a:p>
+          <a:p>
+            <a:endParaRPr lang="en-US" dirty="0"/>
+          </a:p>
+          <a:p>
+            <a:r>
+              <a:rPr lang="en-US" dirty="0"/>
+              <a:t>Many other bagging and boosting methods as well as Neural Network methods could be tried if time permits. </a:t>
+            </a:r>
+          </a:p>
+          <a:p>
+            <a:endParaRPr lang="en-US" dirty="0"/>
+          </a:p>
+          <a:p>
+            <a:r>
+              <a:rPr lang="en-US" dirty="0"/>
+              <a:t>Obtain data for several regions of the country to produce statistically significant conclusions.  </a:t>
+            </a:r>
+          </a:p>
+        </p:txBody>
+      </p:sp>
+      <p:sp>
+        <p:nvSpPr>
+          <p:cNvPr id="4" name="Slide Number Placeholder 3">
+            <a:extLst>
+              <a:ext uri="{FF2B5EF4-FFF2-40B4-BE49-F238E27FC236}">
+                <a16:creationId xmlns:a16="http://schemas.microsoft.com/office/drawing/2014/main" id="{628405A6-98E0-4EA3-A029-DC5FF3724D5C}"/>
+              </a:ext>
+            </a:extLst>
+          </p:cNvPr>
+          <p:cNvSpPr>
+            <a:spLocks noGrp="1"/>
+          </p:cNvSpPr>
+          <p:nvPr>
+            <p:ph type="sldNum" sz="quarter" idx="12"/>
+          </p:nvPr>
+        </p:nvSpPr>
+        <p:spPr/>
+        <p:txBody>
+          <a:bodyPr/>
+          <a:lstStyle/>
+          <a:p>
+            <a:fld id="{3A98EE3D-8CD1-4C3F-BD1C-C98C9596463C}" type="slidenum">
+              <a:rPr lang="en-US" smtClean="0"/>
+              <a:t>8</a:t>
+            </a:fld>
+            <a:endParaRPr lang="en-US" dirty="0"/>
+          </a:p>
+        </p:txBody>
+      </p:sp>
+    </p:spTree>
+    <p:extLst>
+      <p:ext uri="{BB962C8B-B14F-4D97-AF65-F5344CB8AC3E}">
+        <p14:creationId xmlns:p14="http://schemas.microsoft.com/office/powerpoint/2010/main" val="1023383042"/>
+      </p:ext>
+    </p:extLst>
+  </p:cSld>
+  <p:clrMapOvr>
+    <a:masterClrMapping/>
+  </p:clrMapOvr>
+</p:sld>
+</file>
+
+<file path=ppt/slides/slide9.xml><?xml version="1.0" encoding="utf-8"?>
+<p:sld xmlns:a="http://schemas.openxmlformats.org/drawingml/2006/main" xmlns:r="http://schemas.openxmlformats.org/officeDocument/2006/relationships" xmlns:p="http://schemas.openxmlformats.org/presentationml/2006/main">
+  <p:cSld>
+    <p:bg>
+      <p:bgPr>
+        <a:solidFill>
+          <a:schemeClr val="bg1"/>
+        </a:solidFill>
+        <a:effectLst/>
+      </p:bgPr>
+    </p:bg>
+    <p:spTree>
+      <p:nvGrpSpPr>
+        <p:cNvPr id="1" name=""/>
+        <p:cNvGrpSpPr/>
+        <p:nvPr/>
+      </p:nvGrpSpPr>
+      <p:grpSpPr>
+        <a:xfrm>
+          <a:off x="0" y="0"/>
+          <a:ext cx="0" cy="0"/>
+          <a:chOff x="0" y="0"/>
+          <a:chExt cx="0" cy="0"/>
+        </a:xfrm>
+      </p:grpSpPr>
+      <p:sp>
+        <p:nvSpPr>
+          <p:cNvPr id="2" name="Title 1">
+            <a:extLst>
+              <a:ext uri="{FF2B5EF4-FFF2-40B4-BE49-F238E27FC236}">
+                <a16:creationId xmlns:a16="http://schemas.microsoft.com/office/drawing/2014/main" id="{F798FE82-EFC6-47FC-BDEE-795A2F028F11}"/>
+              </a:ext>
+            </a:extLst>
+          </p:cNvPr>
+          <p:cNvSpPr>
+            <a:spLocks noGrp="1"/>
+          </p:cNvSpPr>
+          <p:nvPr>
+            <p:ph type="title"/>
+          </p:nvPr>
+        </p:nvSpPr>
+        <p:spPr>
+          <a:xfrm>
+            <a:off x="481011" y="327026"/>
+            <a:ext cx="7129464" cy="1244600"/>
+          </a:xfrm>
+        </p:spPr>
+        <p:txBody>
+          <a:bodyPr vert="horz" lIns="91440" tIns="45720" rIns="91440" bIns="45720" rtlCol="0" anchor="b">
+            <a:normAutofit/>
+          </a:bodyPr>
+          <a:lstStyle/>
+          <a:p>
+            <a:r>
+              <a:rPr lang="en-US" sz="6000" dirty="0">
+                <a:solidFill>
+                  <a:srgbClr val="0070C0"/>
+                </a:solidFill>
+              </a:rPr>
+              <a:t>Acknowledgement</a:t>
+            </a:r>
+            <a:endParaRPr lang="en-US" sz="5400" dirty="0">
+              <a:solidFill>
+                <a:srgbClr val="0070C0"/>
+              </a:solidFill>
+            </a:endParaRPr>
+          </a:p>
+        </p:txBody>
+      </p:sp>
+      <p:sp>
+        <p:nvSpPr>
+          <p:cNvPr id="8" name="Content Placeholder 2">
+            <a:extLst>
+              <a:ext uri="{FF2B5EF4-FFF2-40B4-BE49-F238E27FC236}">
+                <a16:creationId xmlns:a16="http://schemas.microsoft.com/office/drawing/2014/main" id="{66627C00-B87B-433B-AEB0-777C7503D1B1}"/>
+              </a:ext>
+            </a:extLst>
+          </p:cNvPr>
+          <p:cNvSpPr txBox="1">
+            <a:spLocks/>
+          </p:cNvSpPr>
+          <p:nvPr/>
+        </p:nvSpPr>
+        <p:spPr>
+          <a:xfrm>
+            <a:off x="481013" y="2286001"/>
+            <a:ext cx="3367973" cy="2179673"/>
+          </a:xfrm>
+          <a:prstGeom prst="rect">
+            <a:avLst/>
+          </a:prstGeom>
+        </p:spPr>
+        <p:txBody>
+          <a:bodyPr vert="horz" lIns="91440" tIns="45720" rIns="91440" bIns="45720" rtlCol="0" anchor="t">
+            <a:normAutofit/>
+          </a:bodyPr>
+          <a:lstStyle>
+            <a:lvl1pPr marL="228600" indent="-228600" algn="l" defTabSz="914400" rtl="0" eaLnBrk="1" latinLnBrk="0" hangingPunct="1">
+              <a:lnSpc>
+                <a:spcPct val="90000"/>
+              </a:lnSpc>
+              <a:spcBef>
+                <a:spcPts val="1000"/>
+              </a:spcBef>
+              <a:buFont typeface="Arial" panose="020B0604020202020204" pitchFamily="34" charset="0"/>
+              <a:buChar char="•"/>
+              <a:defRPr sz="2800" kern="1200">
+                <a:solidFill>
+                  <a:schemeClr val="tx1"/>
+                </a:solidFill>
+                <a:latin typeface="+mn-lt"/>
+                <a:ea typeface="+mn-ea"/>
+                <a:cs typeface="+mn-cs"/>
+              </a:defRPr>
+            </a:lvl1pPr>
+            <a:lvl2pPr marL="685800" indent="-228600" algn="l" defTabSz="914400" rtl="0" eaLnBrk="1" latinLnBrk="0" hangingPunct="1">
+              <a:lnSpc>
+                <a:spcPct val="90000"/>
+              </a:lnSpc>
+              <a:spcBef>
+                <a:spcPts val="500"/>
+              </a:spcBef>
+              <a:buFont typeface="Arial" panose="020B0604020202020204" pitchFamily="34" charset="0"/>
+              <a:buChar char="•"/>
+              <a:defRPr sz="2400" kern="1200">
+                <a:solidFill>
+                  <a:schemeClr val="tx1"/>
+                </a:solidFill>
+                <a:latin typeface="+mn-lt"/>
+                <a:ea typeface="+mn-ea"/>
+                <a:cs typeface="+mn-cs"/>
+              </a:defRPr>
+            </a:lvl2pPr>
+            <a:lvl3pPr marL="1143000" indent="-228600" algn="l" defTabSz="914400" rtl="0" eaLnBrk="1" latinLnBrk="0" hangingPunct="1">
+              <a:lnSpc>
+                <a:spcPct val="90000"/>
+              </a:lnSpc>
+              <a:spcBef>
+                <a:spcPts val="500"/>
+              </a:spcBef>
+              <a:buFont typeface="Arial" panose="020B0604020202020204" pitchFamily="34" charset="0"/>
+              <a:buChar char="•"/>
+              <a:defRPr sz="2000" kern="1200">
+                <a:solidFill>
+                  <a:schemeClr val="tx1"/>
+                </a:solidFill>
+                <a:latin typeface="+mn-lt"/>
+                <a:ea typeface="+mn-ea"/>
+                <a:cs typeface="+mn-cs"/>
+              </a:defRPr>
+            </a:lvl3pPr>
+            <a:lvl4pPr marL="1600200" indent="-228600" algn="l" defTabSz="914400" rtl="0" eaLnBrk="1" latinLnBrk="0" hangingPunct="1">
+              <a:lnSpc>
+                <a:spcPct val="90000"/>
+              </a:lnSpc>
+              <a:spcBef>
+                <a:spcPts val="500"/>
+              </a:spcBef>
+              <a:buFont typeface="Arial" panose="020B0604020202020204" pitchFamily="34" charset="0"/>
+              <a:buChar char="•"/>
+              <a:defRPr sz="1800" kern="1200">
+                <a:solidFill>
+                  <a:schemeClr val="tx1"/>
+                </a:solidFill>
+                <a:latin typeface="+mn-lt"/>
+                <a:ea typeface="+mn-ea"/>
+                <a:cs typeface="+mn-cs"/>
+              </a:defRPr>
+            </a:lvl4pPr>
+            <a:lvl5pPr marL="2057400" indent="-228600" algn="l" defTabSz="914400" rtl="0" eaLnBrk="1" latinLnBrk="0" hangingPunct="1">
+              <a:lnSpc>
+                <a:spcPct val="90000"/>
+              </a:lnSpc>
+              <a:spcBef>
+                <a:spcPts val="500"/>
+              </a:spcBef>
+              <a:buFont typeface="Arial" panose="020B0604020202020204" pitchFamily="34" charset="0"/>
+              <a:buChar char="•"/>
+              <a:defRPr sz="1800" kern="1200">
+                <a:solidFill>
+                  <a:schemeClr val="tx1"/>
+                </a:solidFill>
+                <a:latin typeface="+mn-lt"/>
+                <a:ea typeface="+mn-ea"/>
+                <a:cs typeface="+mn-cs"/>
+              </a:defRPr>
+            </a:lvl5pPr>
+            <a:lvl6pPr marL="2514600" indent="-228600" algn="l" defTabSz="914400" rtl="0" eaLnBrk="1" latinLnBrk="0" hangingPunct="1">
+              <a:lnSpc>
+                <a:spcPct val="90000"/>
+              </a:lnSpc>
+              <a:spcBef>
+                <a:spcPts val="500"/>
+              </a:spcBef>
+              <a:buFont typeface="Arial" panose="020B0604020202020204" pitchFamily="34" charset="0"/>
+              <a:buChar char="•"/>
+              <a:defRPr sz="1800" kern="1200">
+                <a:solidFill>
+                  <a:schemeClr val="tx1"/>
+                </a:solidFill>
+                <a:latin typeface="+mn-lt"/>
+                <a:ea typeface="+mn-ea"/>
+                <a:cs typeface="+mn-cs"/>
+              </a:defRPr>
+            </a:lvl6pPr>
+            <a:lvl7pPr marL="2971800" indent="-228600" algn="l" defTabSz="914400" rtl="0" eaLnBrk="1" latinLnBrk="0" hangingPunct="1">
+              <a:lnSpc>
+                <a:spcPct val="90000"/>
+              </a:lnSpc>
+              <a:spcBef>
+                <a:spcPts val="500"/>
+              </a:spcBef>
+              <a:buFont typeface="Arial" panose="020B0604020202020204" pitchFamily="34" charset="0"/>
+              <a:buChar char="•"/>
+              <a:defRPr sz="1800" kern="1200">
+                <a:solidFill>
+                  <a:schemeClr val="tx1"/>
+                </a:solidFill>
+                <a:latin typeface="+mn-lt"/>
+                <a:ea typeface="+mn-ea"/>
+                <a:cs typeface="+mn-cs"/>
+              </a:defRPr>
+            </a:lvl7pPr>
+            <a:lvl8pPr marL="3429000" indent="-228600" algn="l" defTabSz="914400" rtl="0" eaLnBrk="1" latinLnBrk="0" hangingPunct="1">
+              <a:lnSpc>
+                <a:spcPct val="90000"/>
+              </a:lnSpc>
+              <a:spcBef>
+                <a:spcPts val="500"/>
+              </a:spcBef>
+              <a:buFont typeface="Arial" panose="020B0604020202020204" pitchFamily="34" charset="0"/>
+              <a:buChar char="•"/>
+              <a:defRPr sz="1800" kern="1200">
+                <a:solidFill>
+                  <a:schemeClr val="tx1"/>
+                </a:solidFill>
+                <a:latin typeface="+mn-lt"/>
+                <a:ea typeface="+mn-ea"/>
+                <a:cs typeface="+mn-cs"/>
+              </a:defRPr>
+            </a:lvl8pPr>
+            <a:lvl9pPr marL="3886200" indent="-228600" algn="l" defTabSz="914400" rtl="0" eaLnBrk="1" latinLnBrk="0" hangingPunct="1">
+              <a:lnSpc>
+                <a:spcPct val="90000"/>
+              </a:lnSpc>
+              <a:spcBef>
+                <a:spcPts val="500"/>
+              </a:spcBef>
+              <a:buFont typeface="Arial" panose="020B0604020202020204" pitchFamily="34" charset="0"/>
+              <a:buChar char="•"/>
+              <a:defRPr sz="1800" kern="1200">
+                <a:solidFill>
+                  <a:schemeClr val="tx1"/>
+                </a:solidFill>
+                <a:latin typeface="+mn-lt"/>
+                <a:ea typeface="+mn-ea"/>
+                <a:cs typeface="+mn-cs"/>
+              </a:defRPr>
+            </a:lvl9pPr>
+          </a:lstStyle>
+          <a:p>
+            <a:r>
+              <a:rPr lang="en-US" dirty="0"/>
+              <a:t>Amber </a:t>
+            </a:r>
+            <a:r>
+              <a:rPr lang="en-US" dirty="0" err="1"/>
+              <a:t>Yandow</a:t>
+            </a:r>
+            <a:endParaRPr lang="en-US" dirty="0"/>
+          </a:p>
+          <a:p>
+            <a:r>
+              <a:rPr lang="en-US" dirty="0"/>
+              <a:t>Dara </a:t>
+            </a:r>
+            <a:r>
+              <a:rPr lang="en-US" dirty="0" err="1"/>
+              <a:t>Paoletti</a:t>
+            </a:r>
+            <a:endParaRPr lang="en-US" dirty="0"/>
+          </a:p>
+          <a:p>
+            <a:pPr marL="0"/>
+            <a:r>
+              <a:rPr lang="en-US" dirty="0" err="1"/>
+              <a:t>Khulood</a:t>
+            </a:r>
+            <a:r>
+              <a:rPr lang="en-US" dirty="0"/>
+              <a:t> and Maria</a:t>
+            </a:r>
+          </a:p>
+          <a:p>
+            <a:pPr marL="0"/>
+            <a:endParaRPr lang="en-US" dirty="0"/>
           </a:p>
         </p:txBody>
       </p:sp>
@@ -5558,13 +7643,13 @@
               </a:ext>
             </a:extLst>
           </a:blip>
-          <a:srcRect r="-1" b="2425"/>
+          <a:srcRect l="9200"/>
           <a:stretch/>
         </p:blipFill>
         <p:spPr bwMode="auto">
           <a:xfrm>
-            <a:off x="10392" y="10"/>
-            <a:ext cx="7028495" cy="6857990"/>
+            <a:off x="5966355" y="1"/>
+            <a:ext cx="6225645" cy="6856412"/>
           </a:xfrm>
           <a:custGeom>
             <a:avLst/>
@@ -5573,32 +7658,32 @@
             <a:cxnLst/>
             <a:rect l="l" t="t" r="r" b="b"/>
             <a:pathLst>
-              <a:path w="7028495" h="6858000">
+              <a:path w="5620032" h="6856412">
                 <a:moveTo>
-                  <a:pt x="0" y="0"/>
+                  <a:pt x="13187" y="0"/>
                 </a:moveTo>
                 <a:lnTo>
-                  <a:pt x="6915668" y="0"/>
+                  <a:pt x="5620032" y="0"/>
                 </a:lnTo>
                 <a:lnTo>
-                  <a:pt x="6952411" y="219663"/>
+                  <a:pt x="5620032" y="6856412"/>
+                </a:lnTo>
+                <a:lnTo>
+                  <a:pt x="0" y="6856412"/>
+                </a:lnTo>
+                <a:lnTo>
+                  <a:pt x="64318" y="6298274"/>
                 </a:lnTo>
                 <a:cubicBezTo>
-                  <a:pt x="7002551" y="569921"/>
-                  <a:pt x="7028495" y="927986"/>
-                  <a:pt x="7028495" y="1292112"/>
+                  <a:pt x="203221" y="4970220"/>
+                  <a:pt x="240510" y="3632077"/>
+                  <a:pt x="97152" y="2276000"/>
                 </a:cubicBezTo>
                 <a:cubicBezTo>
-                  <a:pt x="7028495" y="3343346"/>
-                  <a:pt x="6205186" y="5202289"/>
-                  <a:pt x="4870994" y="6556512"/>
+                  <a:pt x="35713" y="1694824"/>
+                  <a:pt x="7455" y="1116942"/>
+                  <a:pt x="6154" y="541737"/>
                 </a:cubicBezTo>
-                <a:lnTo>
-                  <a:pt x="4556185" y="6858000"/>
-                </a:lnTo>
-                <a:lnTo>
-                  <a:pt x="0" y="6858000"/>
-                </a:lnTo>
                 <a:close/>
               </a:path>
             </a:pathLst>
@@ -5633,15 +7718,12 @@
         </p:nvSpPr>
         <p:spPr>
           <a:xfrm>
-            <a:off x="11003280" y="603504"/>
-            <a:ext cx="548640" cy="548640"/>
+            <a:off x="10869612" y="6356350"/>
+            <a:ext cx="819187" cy="365125"/>
           </a:xfrm>
           <a:prstGeom prst="ellipse">
             <a:avLst/>
           </a:prstGeom>
-          <a:solidFill>
-            <a:srgbClr val="7F7F7F"/>
-          </a:solidFill>
         </p:spPr>
         <p:txBody>
           <a:bodyPr vert="horz" lIns="91440" tIns="45720" rIns="91440" bIns="45720" rtlCol="0" anchor="ctr">
@@ -5649,30 +7731,36 @@
           </a:bodyPr>
           <a:lstStyle/>
           <a:p>
-            <a:pPr algn="ctr">
+            <a:pPr>
+              <a:lnSpc>
+                <a:spcPct val="90000"/>
+              </a:lnSpc>
               <a:spcAft>
                 <a:spcPts val="600"/>
               </a:spcAft>
               <a:defRPr/>
             </a:pPr>
             <a:fld id="{3A98EE3D-8CD1-4C3F-BD1C-C98C9596463C}" type="slidenum">
-              <a:rPr lang="en-US" sz="1500">
+              <a:rPr lang="en-US">
                 <a:solidFill>
-                  <a:srgbClr val="FFFFFF"/>
+                  <a:prstClr val="white"/>
                 </a:solidFill>
                 <a:latin typeface="Calibri" panose="020F0502020204030204"/>
               </a:rPr>
-              <a:pPr algn="ctr">
+              <a:pPr>
+                <a:lnSpc>
+                  <a:spcPct val="90000"/>
+                </a:lnSpc>
                 <a:spcAft>
                   <a:spcPts val="600"/>
                 </a:spcAft>
                 <a:defRPr/>
               </a:pPr>
-              <a:t>3</a:t>
+              <a:t>9</a:t>
             </a:fld>
-            <a:endParaRPr lang="en-US" sz="1500">
+            <a:endParaRPr lang="en-US">
               <a:solidFill>
-                <a:srgbClr val="FFFFFF"/>
+                <a:prstClr val="white"/>
               </a:solidFill>
               <a:latin typeface="Calibri" panose="020F0502020204030204"/>
             </a:endParaRPr>
@@ -5695,8 +7783,8 @@
         </p:nvSpPr>
         <p:spPr>
           <a:xfrm>
-            <a:off x="7732366" y="5189220"/>
-            <a:ext cx="2694553" cy="686676"/>
+            <a:off x="2990305" y="5669674"/>
+            <a:ext cx="3834732" cy="686676"/>
           </a:xfrm>
           <a:prstGeom prst="rect">
             <a:avLst/>
@@ -5876,243 +7964,9 @@
               <a:buNone/>
             </a:pPr>
             <a:r>
-              <a:rPr lang="en-US" sz="4400"/>
+              <a:rPr lang="en-US" sz="6000" dirty="0"/>
               <a:t>Thank you</a:t>
             </a:r>
-            <a:endParaRPr lang="en-US" sz="4400" dirty="0"/>
-          </a:p>
-        </p:txBody>
-      </p:sp>
-      <p:sp>
-        <p:nvSpPr>
-          <p:cNvPr id="8" name="Content Placeholder 2">
-            <a:extLst>
-              <a:ext uri="{FF2B5EF4-FFF2-40B4-BE49-F238E27FC236}">
-                <a16:creationId xmlns:a16="http://schemas.microsoft.com/office/drawing/2014/main" id="{66627C00-B87B-433B-AEB0-777C7503D1B1}"/>
-              </a:ext>
-            </a:extLst>
-          </p:cNvPr>
-          <p:cNvSpPr txBox="1">
-            <a:spLocks/>
-          </p:cNvSpPr>
-          <p:nvPr/>
-        </p:nvSpPr>
-        <p:spPr>
-          <a:xfrm>
-            <a:off x="6906670" y="2106930"/>
-            <a:ext cx="4645250" cy="1322070"/>
-          </a:xfrm>
-          <a:prstGeom prst="rect">
-            <a:avLst/>
-          </a:prstGeom>
-        </p:spPr>
-        <p:txBody>
-          <a:bodyPr vert="horz" lIns="91440" tIns="45720" rIns="91440" bIns="45720" rtlCol="0" anchor="t">
-            <a:normAutofit/>
-          </a:bodyPr>
-          <a:lstStyle>
-            <a:lvl1pPr marL="228600" indent="-228600" algn="l" defTabSz="914400" rtl="0" eaLnBrk="1" latinLnBrk="0" hangingPunct="1">
-              <a:lnSpc>
-                <a:spcPct val="90000"/>
-              </a:lnSpc>
-              <a:spcBef>
-                <a:spcPts val="1000"/>
-              </a:spcBef>
-              <a:buFont typeface="Arial" panose="020B0604020202020204" pitchFamily="34" charset="0"/>
-              <a:buChar char="•"/>
-              <a:defRPr sz="2800" kern="1200">
-                <a:solidFill>
-                  <a:schemeClr val="tx1"/>
-                </a:solidFill>
-                <a:latin typeface="+mn-lt"/>
-                <a:ea typeface="+mn-ea"/>
-                <a:cs typeface="+mn-cs"/>
-              </a:defRPr>
-            </a:lvl1pPr>
-            <a:lvl2pPr marL="685800" indent="-228600" algn="l" defTabSz="914400" rtl="0" eaLnBrk="1" latinLnBrk="0" hangingPunct="1">
-              <a:lnSpc>
-                <a:spcPct val="90000"/>
-              </a:lnSpc>
-              <a:spcBef>
-                <a:spcPts val="500"/>
-              </a:spcBef>
-              <a:buFont typeface="Arial" panose="020B0604020202020204" pitchFamily="34" charset="0"/>
-              <a:buChar char="•"/>
-              <a:defRPr sz="2400" kern="1200">
-                <a:solidFill>
-                  <a:schemeClr val="tx1"/>
-                </a:solidFill>
-                <a:latin typeface="+mn-lt"/>
-                <a:ea typeface="+mn-ea"/>
-                <a:cs typeface="+mn-cs"/>
-              </a:defRPr>
-            </a:lvl2pPr>
-            <a:lvl3pPr marL="1143000" indent="-228600" algn="l" defTabSz="914400" rtl="0" eaLnBrk="1" latinLnBrk="0" hangingPunct="1">
-              <a:lnSpc>
-                <a:spcPct val="90000"/>
-              </a:lnSpc>
-              <a:spcBef>
-                <a:spcPts val="500"/>
-              </a:spcBef>
-              <a:buFont typeface="Arial" panose="020B0604020202020204" pitchFamily="34" charset="0"/>
-              <a:buChar char="•"/>
-              <a:defRPr sz="2000" kern="1200">
-                <a:solidFill>
-                  <a:schemeClr val="tx1"/>
-                </a:solidFill>
-                <a:latin typeface="+mn-lt"/>
-                <a:ea typeface="+mn-ea"/>
-                <a:cs typeface="+mn-cs"/>
-              </a:defRPr>
-            </a:lvl3pPr>
-            <a:lvl4pPr marL="1600200" indent="-228600" algn="l" defTabSz="914400" rtl="0" eaLnBrk="1" latinLnBrk="0" hangingPunct="1">
-              <a:lnSpc>
-                <a:spcPct val="90000"/>
-              </a:lnSpc>
-              <a:spcBef>
-                <a:spcPts val="500"/>
-              </a:spcBef>
-              <a:buFont typeface="Arial" panose="020B0604020202020204" pitchFamily="34" charset="0"/>
-              <a:buChar char="•"/>
-              <a:defRPr sz="1800" kern="1200">
-                <a:solidFill>
-                  <a:schemeClr val="tx1"/>
-                </a:solidFill>
-                <a:latin typeface="+mn-lt"/>
-                <a:ea typeface="+mn-ea"/>
-                <a:cs typeface="+mn-cs"/>
-              </a:defRPr>
-            </a:lvl4pPr>
-            <a:lvl5pPr marL="2057400" indent="-228600" algn="l" defTabSz="914400" rtl="0" eaLnBrk="1" latinLnBrk="0" hangingPunct="1">
-              <a:lnSpc>
-                <a:spcPct val="90000"/>
-              </a:lnSpc>
-              <a:spcBef>
-                <a:spcPts val="500"/>
-              </a:spcBef>
-              <a:buFont typeface="Arial" panose="020B0604020202020204" pitchFamily="34" charset="0"/>
-              <a:buChar char="•"/>
-              <a:defRPr sz="1800" kern="1200">
-                <a:solidFill>
-                  <a:schemeClr val="tx1"/>
-                </a:solidFill>
-                <a:latin typeface="+mn-lt"/>
-                <a:ea typeface="+mn-ea"/>
-                <a:cs typeface="+mn-cs"/>
-              </a:defRPr>
-            </a:lvl5pPr>
-            <a:lvl6pPr marL="2514600" indent="-228600" algn="l" defTabSz="914400" rtl="0" eaLnBrk="1" latinLnBrk="0" hangingPunct="1">
-              <a:lnSpc>
-                <a:spcPct val="90000"/>
-              </a:lnSpc>
-              <a:spcBef>
-                <a:spcPts val="500"/>
-              </a:spcBef>
-              <a:buFont typeface="Arial" panose="020B0604020202020204" pitchFamily="34" charset="0"/>
-              <a:buChar char="•"/>
-              <a:defRPr sz="1800" kern="1200">
-                <a:solidFill>
-                  <a:schemeClr val="tx1"/>
-                </a:solidFill>
-                <a:latin typeface="+mn-lt"/>
-                <a:ea typeface="+mn-ea"/>
-                <a:cs typeface="+mn-cs"/>
-              </a:defRPr>
-            </a:lvl6pPr>
-            <a:lvl7pPr marL="2971800" indent="-228600" algn="l" defTabSz="914400" rtl="0" eaLnBrk="1" latinLnBrk="0" hangingPunct="1">
-              <a:lnSpc>
-                <a:spcPct val="90000"/>
-              </a:lnSpc>
-              <a:spcBef>
-                <a:spcPts val="500"/>
-              </a:spcBef>
-              <a:buFont typeface="Arial" panose="020B0604020202020204" pitchFamily="34" charset="0"/>
-              <a:buChar char="•"/>
-              <a:defRPr sz="1800" kern="1200">
-                <a:solidFill>
-                  <a:schemeClr val="tx1"/>
-                </a:solidFill>
-                <a:latin typeface="+mn-lt"/>
-                <a:ea typeface="+mn-ea"/>
-                <a:cs typeface="+mn-cs"/>
-              </a:defRPr>
-            </a:lvl7pPr>
-            <a:lvl8pPr marL="3429000" indent="-228600" algn="l" defTabSz="914400" rtl="0" eaLnBrk="1" latinLnBrk="0" hangingPunct="1">
-              <a:lnSpc>
-                <a:spcPct val="90000"/>
-              </a:lnSpc>
-              <a:spcBef>
-                <a:spcPts val="500"/>
-              </a:spcBef>
-              <a:buFont typeface="Arial" panose="020B0604020202020204" pitchFamily="34" charset="0"/>
-              <a:buChar char="•"/>
-              <a:defRPr sz="1800" kern="1200">
-                <a:solidFill>
-                  <a:schemeClr val="tx1"/>
-                </a:solidFill>
-                <a:latin typeface="+mn-lt"/>
-                <a:ea typeface="+mn-ea"/>
-                <a:cs typeface="+mn-cs"/>
-              </a:defRPr>
-            </a:lvl8pPr>
-            <a:lvl9pPr marL="3886200" indent="-228600" algn="l" defTabSz="914400" rtl="0" eaLnBrk="1" latinLnBrk="0" hangingPunct="1">
-              <a:lnSpc>
-                <a:spcPct val="90000"/>
-              </a:lnSpc>
-              <a:spcBef>
-                <a:spcPts val="500"/>
-              </a:spcBef>
-              <a:buFont typeface="Arial" panose="020B0604020202020204" pitchFamily="34" charset="0"/>
-              <a:buChar char="•"/>
-              <a:defRPr sz="1800" kern="1200">
-                <a:solidFill>
-                  <a:schemeClr val="tx1"/>
-                </a:solidFill>
-                <a:latin typeface="+mn-lt"/>
-                <a:ea typeface="+mn-ea"/>
-                <a:cs typeface="+mn-cs"/>
-              </a:defRPr>
-            </a:lvl9pPr>
-          </a:lstStyle>
-          <a:p>
-            <a:pPr marL="401638"/>
-            <a:r>
-              <a:rPr lang="en-US" sz="2000" dirty="0"/>
-              <a:t>Amber </a:t>
-            </a:r>
-            <a:r>
-              <a:rPr lang="en-US" sz="2000" dirty="0" err="1"/>
-              <a:t>Yandow</a:t>
-            </a:r>
-            <a:endParaRPr lang="en-US" sz="2000" dirty="0"/>
-          </a:p>
-          <a:p>
-            <a:pPr marL="344488"/>
-            <a:r>
-              <a:rPr lang="en-US" sz="2000" dirty="0"/>
-              <a:t> Dara </a:t>
-            </a:r>
-            <a:r>
-              <a:rPr lang="en-US" sz="2000" dirty="0" err="1"/>
-              <a:t>Paoletti</a:t>
-            </a:r>
-            <a:endParaRPr lang="en-US" sz="2000" dirty="0"/>
-          </a:p>
-          <a:p>
-            <a:r>
-              <a:rPr lang="en-US" sz="2000" dirty="0" err="1"/>
-              <a:t>Khalood</a:t>
-            </a:r>
-            <a:r>
-              <a:rPr lang="en-US" sz="2000" dirty="0"/>
-              <a:t> and Maria</a:t>
-            </a:r>
-          </a:p>
-          <a:p>
-            <a:pPr marL="0" indent="0">
-              <a:buNone/>
-            </a:pPr>
-            <a:endParaRPr lang="en-US" sz="2000" dirty="0"/>
           </a:p>
         </p:txBody>
       </p:sp>
@@ -6120,139 +7974,6 @@
     <p:extLst>
       <p:ext uri="{BB962C8B-B14F-4D97-AF65-F5344CB8AC3E}">
         <p14:creationId xmlns:p14="http://schemas.microsoft.com/office/powerpoint/2010/main" val="1661220184"/>
-      </p:ext>
-    </p:extLst>
-  </p:cSld>
-  <p:clrMapOvr>
-    <a:overrideClrMapping bg1="dk1" tx1="lt1" bg2="dk2" tx2="lt2" accent1="accent1" accent2="accent2" accent3="accent3" accent4="accent4" accent5="accent5" accent6="accent6" hlink="hlink" folHlink="folHlink"/>
-  </p:clrMapOvr>
-</p:sld>
-</file>
-
-<file path=ppt/slides/slide4.xml><?xml version="1.0" encoding="utf-8"?>
-<p:sld xmlns:a="http://schemas.openxmlformats.org/drawingml/2006/main" xmlns:r="http://schemas.openxmlformats.org/officeDocument/2006/relationships" xmlns:p="http://schemas.openxmlformats.org/presentationml/2006/main">
-  <p:cSld>
-    <p:spTree>
-      <p:nvGrpSpPr>
-        <p:cNvPr id="1" name=""/>
-        <p:cNvGrpSpPr/>
-        <p:nvPr/>
-      </p:nvGrpSpPr>
-      <p:grpSpPr>
-        <a:xfrm>
-          <a:off x="0" y="0"/>
-          <a:ext cx="0" cy="0"/>
-          <a:chOff x="0" y="0"/>
-          <a:chExt cx="0" cy="0"/>
-        </a:xfrm>
-      </p:grpSpPr>
-      <p:sp>
-        <p:nvSpPr>
-          <p:cNvPr id="2" name="Title 1">
-            <a:extLst>
-              <a:ext uri="{FF2B5EF4-FFF2-40B4-BE49-F238E27FC236}">
-                <a16:creationId xmlns:a16="http://schemas.microsoft.com/office/drawing/2014/main" id="{3468C0B4-2604-45F2-BA23-4AA8F880453F}"/>
-              </a:ext>
-            </a:extLst>
-          </p:cNvPr>
-          <p:cNvSpPr>
-            <a:spLocks noGrp="1"/>
-          </p:cNvSpPr>
-          <p:nvPr>
-            <p:ph type="title"/>
-          </p:nvPr>
-        </p:nvSpPr>
-        <p:spPr>
-          <a:xfrm>
-            <a:off x="4155830" y="2942493"/>
-            <a:ext cx="4454770" cy="1714134"/>
-          </a:xfrm>
-        </p:spPr>
-        <p:txBody>
-          <a:bodyPr>
-            <a:noAutofit/>
-          </a:bodyPr>
-          <a:lstStyle/>
-          <a:p>
-            <a:r>
-              <a:rPr lang="en-US" sz="7200" b="1" dirty="0">
-                <a:effectLst>
-                  <a:glow rad="63500">
-                    <a:schemeClr val="accent1">
-                      <a:satMod val="175000"/>
-                      <a:alpha val="40000"/>
-                    </a:schemeClr>
-                  </a:glow>
-                  <a:outerShdw blurRad="50800" dist="38100" dir="2700000" algn="tl" rotWithShape="0">
-                    <a:prstClr val="black">
-                      <a:alpha val="40000"/>
-                    </a:prstClr>
-                  </a:outerShdw>
-                </a:effectLst>
-              </a:rPr>
-              <a:t>Extra slides</a:t>
-            </a:r>
-          </a:p>
-        </p:txBody>
-      </p:sp>
-      <p:sp>
-        <p:nvSpPr>
-          <p:cNvPr id="3" name="Content Placeholder 2">
-            <a:extLst>
-              <a:ext uri="{FF2B5EF4-FFF2-40B4-BE49-F238E27FC236}">
-                <a16:creationId xmlns:a16="http://schemas.microsoft.com/office/drawing/2014/main" id="{A3712D4D-3C72-4B1C-B3E1-D683CBBD398D}"/>
-              </a:ext>
-            </a:extLst>
-          </p:cNvPr>
-          <p:cNvSpPr>
-            <a:spLocks noGrp="1"/>
-          </p:cNvSpPr>
-          <p:nvPr>
-            <p:ph idx="1"/>
-          </p:nvPr>
-        </p:nvSpPr>
-        <p:spPr/>
-        <p:txBody>
-          <a:bodyPr/>
-          <a:lstStyle/>
-          <a:p>
-            <a:endParaRPr lang="en-US"/>
-          </a:p>
-        </p:txBody>
-      </p:sp>
-      <p:sp>
-        <p:nvSpPr>
-          <p:cNvPr id="4" name="Slide Number Placeholder 3">
-            <a:extLst>
-              <a:ext uri="{FF2B5EF4-FFF2-40B4-BE49-F238E27FC236}">
-                <a16:creationId xmlns:a16="http://schemas.microsoft.com/office/drawing/2014/main" id="{CDB09732-66C7-4A58-9EE9-27C002AAA46F}"/>
-              </a:ext>
-            </a:extLst>
-          </p:cNvPr>
-          <p:cNvSpPr>
-            <a:spLocks noGrp="1"/>
-          </p:cNvSpPr>
-          <p:nvPr>
-            <p:ph type="sldNum" sz="quarter" idx="12"/>
-          </p:nvPr>
-        </p:nvSpPr>
-        <p:spPr/>
-        <p:txBody>
-          <a:bodyPr/>
-          <a:lstStyle/>
-          <a:p>
-            <a:fld id="{3A98EE3D-8CD1-4C3F-BD1C-C98C9596463C}" type="slidenum">
-              <a:rPr lang="en-US" smtClean="0"/>
-              <a:t>4</a:t>
-            </a:fld>
-            <a:endParaRPr lang="en-US" dirty="0"/>
-          </a:p>
-        </p:txBody>
-      </p:sp>
-    </p:spTree>
-    <p:extLst>
-      <p:ext uri="{BB962C8B-B14F-4D97-AF65-F5344CB8AC3E}">
-        <p14:creationId xmlns:p14="http://schemas.microsoft.com/office/powerpoint/2010/main" val="3101458669"/>
       </p:ext>
     </p:extLst>
   </p:cSld>

--- a/ppt/MOD_3_non_technical.pptx
+++ b/ppt/MOD_3_non_technical.pptx
@@ -206,7 +206,7 @@
           <a:p>
             <a:fld id="{FCCCF778-D78A-41FC-9EAD-184EF14DE4A7}" type="datetimeFigureOut">
               <a:rPr lang="en-US" smtClean="0"/>
-              <a:t>6/2/2020</a:t>
+              <a:t>6/3/2020</a:t>
             </a:fld>
             <a:endParaRPr lang="en-US"/>
           </a:p>
@@ -620,7 +620,7 @@
           <a:p>
             <a:fld id="{FA61EB49-F9D8-4F06-9713-44C9D0D7E9B2}" type="datetime1">
               <a:rPr lang="en-US" smtClean="0"/>
-              <a:t>6/2/2020</a:t>
+              <a:t>6/3/2020</a:t>
             </a:fld>
             <a:endParaRPr lang="en-US" dirty="0"/>
           </a:p>
@@ -854,7 +854,7 @@
           <a:p>
             <a:fld id="{65592F4B-3223-408A-9621-6A06BC6F3B3A}" type="datetime1">
               <a:rPr lang="en-US" smtClean="0"/>
-              <a:t>6/2/2020</a:t>
+              <a:t>6/3/2020</a:t>
             </a:fld>
             <a:endParaRPr lang="en-US" dirty="0"/>
           </a:p>
@@ -1097,7 +1097,7 @@
           <a:p>
             <a:fld id="{ED2FB20A-18C4-49EE-B45E-2C8FD0713ECA}" type="datetime1">
               <a:rPr lang="en-US" smtClean="0"/>
-              <a:t>6/2/2020</a:t>
+              <a:t>6/3/2020</a:t>
             </a:fld>
             <a:endParaRPr lang="en-US" dirty="0"/>
           </a:p>
@@ -1330,7 +1330,7 @@
           <a:p>
             <a:fld id="{383EC78E-416F-4574-97B3-B2BCD4E7602A}" type="datetime1">
               <a:rPr lang="en-US" smtClean="0"/>
-              <a:t>6/2/2020</a:t>
+              <a:t>6/3/2020</a:t>
             </a:fld>
             <a:endParaRPr lang="en-US" dirty="0"/>
           </a:p>
@@ -1640,7 +1640,7 @@
           <a:p>
             <a:fld id="{D6A0A211-9326-4F89-93CD-3DB1851127FC}" type="datetime1">
               <a:rPr lang="en-US" smtClean="0"/>
-              <a:t>6/2/2020</a:t>
+              <a:t>6/3/2020</a:t>
             </a:fld>
             <a:endParaRPr lang="en-US" dirty="0"/>
           </a:p>
@@ -1941,7 +1941,7 @@
           <a:p>
             <a:fld id="{BBD4FD02-B695-49A1-9C01-444589ECB2EA}" type="datetime1">
               <a:rPr lang="en-US" smtClean="0"/>
-              <a:t>6/2/2020</a:t>
+              <a:t>6/3/2020</a:t>
             </a:fld>
             <a:endParaRPr lang="en-US" dirty="0"/>
           </a:p>
@@ -2388,7 +2388,7 @@
           <a:p>
             <a:fld id="{5B645BE0-E657-4918-B26D-85A717801469}" type="datetime1">
               <a:rPr lang="en-US" smtClean="0"/>
-              <a:t>6/2/2020</a:t>
+              <a:t>6/3/2020</a:t>
             </a:fld>
             <a:endParaRPr lang="en-US" dirty="0"/>
           </a:p>
@@ -2564,7 +2564,7 @@
           <a:p>
             <a:fld id="{6F38960D-E05D-46FF-92AA-2B005B0B492F}" type="datetime1">
               <a:rPr lang="en-US" smtClean="0"/>
-              <a:t>6/2/2020</a:t>
+              <a:t>6/3/2020</a:t>
             </a:fld>
             <a:endParaRPr lang="en-US" dirty="0"/>
           </a:p>
@@ -2712,7 +2712,7 @@
           <a:p>
             <a:fld id="{42EF68DD-2A49-4CA0-9936-746BABFFEA85}" type="datetime1">
               <a:rPr lang="en-US" smtClean="0"/>
-              <a:t>6/2/2020</a:t>
+              <a:t>6/3/2020</a:t>
             </a:fld>
             <a:endParaRPr lang="en-US" dirty="0"/>
           </a:p>
@@ -3058,7 +3058,7 @@
           <a:p>
             <a:fld id="{197CC4E9-97CD-4206-89EC-2F53E9905614}" type="datetime1">
               <a:rPr lang="en-US" smtClean="0"/>
-              <a:t>6/2/2020</a:t>
+              <a:t>6/3/2020</a:t>
             </a:fld>
             <a:endParaRPr lang="en-US" dirty="0"/>
           </a:p>
@@ -3382,7 +3382,7 @@
           <a:p>
             <a:fld id="{7FC0D186-ED78-4D2D-A97F-EA64BBDE653D}" type="datetime1">
               <a:rPr lang="en-US" smtClean="0"/>
-              <a:t>6/2/2020</a:t>
+              <a:t>6/3/2020</a:t>
             </a:fld>
             <a:endParaRPr lang="en-US" dirty="0"/>
           </a:p>
@@ -3659,7 +3659,7 @@
           <a:p>
             <a:fld id="{93F33BC0-FB7A-42C4-A48E-005CA5C711DC}" type="datetime1">
               <a:rPr lang="en-US" smtClean="0"/>
-              <a:t>6/2/2020</a:t>
+              <a:t>6/3/2020</a:t>
             </a:fld>
             <a:endParaRPr lang="en-US" dirty="0"/>
           </a:p>
